--- a/1-PPT/L6 Http Client.pptx
+++ b/1-PPT/L6 Http Client.pptx
@@ -5,12 +5,13 @@
     <p:sldMasterId id="2147483648" r:id="rId1"/>
   </p:sldMasterIdLst>
   <p:notesMasterIdLst>
-    <p:notesMasterId r:id="rId5"/>
+    <p:notesMasterId r:id="rId6"/>
   </p:notesMasterIdLst>
   <p:sldIdLst>
     <p:sldId id="268" r:id="rId2"/>
     <p:sldId id="283" r:id="rId3"/>
-    <p:sldId id="281" r:id="rId4"/>
+    <p:sldId id="284" r:id="rId4"/>
+    <p:sldId id="281" r:id="rId5"/>
   </p:sldIdLst>
   <p:sldSz cx="9144000" cy="6858000" type="screen4x3"/>
   <p:notesSz cx="6858000" cy="9144000"/>
@@ -195,7 +196,7 @@
             <a:fld id="{EA38CB6D-63C9-464B-889E-D8FE438905A2}" type="datetimeFigureOut">
               <a:rPr lang="ar-EG" smtClean="0"/>
               <a:pPr/>
-              <a:t>05/02/1441</a:t>
+              <a:t>06/02/1441</a:t>
             </a:fld>
             <a:endParaRPr lang="ar-EG"/>
           </a:p>
@@ -643,7 +644,7 @@
             <a:fld id="{1D8BD707-D9CF-40AE-B4C6-C98DA3205C09}" type="datetimeFigureOut">
               <a:rPr lang="en-US" smtClean="0"/>
               <a:pPr/>
-              <a:t>10/4/2019</a:t>
+              <a:t>10/5/2019</a:t>
             </a:fld>
             <a:endParaRPr lang="en-US"/>
           </a:p>
@@ -810,7 +811,7 @@
             <a:fld id="{1D8BD707-D9CF-40AE-B4C6-C98DA3205C09}" type="datetimeFigureOut">
               <a:rPr lang="en-US" smtClean="0"/>
               <a:pPr/>
-              <a:t>10/4/2019</a:t>
+              <a:t>10/5/2019</a:t>
             </a:fld>
             <a:endParaRPr lang="en-US"/>
           </a:p>
@@ -987,7 +988,7 @@
             <a:fld id="{1D8BD707-D9CF-40AE-B4C6-C98DA3205C09}" type="datetimeFigureOut">
               <a:rPr lang="en-US" smtClean="0"/>
               <a:pPr/>
-              <a:t>10/4/2019</a:t>
+              <a:t>10/5/2019</a:t>
             </a:fld>
             <a:endParaRPr lang="en-US"/>
           </a:p>
@@ -1154,7 +1155,7 @@
             <a:fld id="{1D8BD707-D9CF-40AE-B4C6-C98DA3205C09}" type="datetimeFigureOut">
               <a:rPr lang="en-US" smtClean="0"/>
               <a:pPr/>
-              <a:t>10/4/2019</a:t>
+              <a:t>10/5/2019</a:t>
             </a:fld>
             <a:endParaRPr lang="en-US"/>
           </a:p>
@@ -1397,7 +1398,7 @@
             <a:fld id="{1D8BD707-D9CF-40AE-B4C6-C98DA3205C09}" type="datetimeFigureOut">
               <a:rPr lang="en-US" smtClean="0"/>
               <a:pPr/>
-              <a:t>10/4/2019</a:t>
+              <a:t>10/5/2019</a:t>
             </a:fld>
             <a:endParaRPr lang="en-US"/>
           </a:p>
@@ -1682,7 +1683,7 @@
             <a:fld id="{1D8BD707-D9CF-40AE-B4C6-C98DA3205C09}" type="datetimeFigureOut">
               <a:rPr lang="en-US" smtClean="0"/>
               <a:pPr/>
-              <a:t>10/4/2019</a:t>
+              <a:t>10/5/2019</a:t>
             </a:fld>
             <a:endParaRPr lang="en-US"/>
           </a:p>
@@ -2101,7 +2102,7 @@
             <a:fld id="{1D8BD707-D9CF-40AE-B4C6-C98DA3205C09}" type="datetimeFigureOut">
               <a:rPr lang="en-US" smtClean="0"/>
               <a:pPr/>
-              <a:t>10/4/2019</a:t>
+              <a:t>10/5/2019</a:t>
             </a:fld>
             <a:endParaRPr lang="en-US"/>
           </a:p>
@@ -2216,7 +2217,7 @@
             <a:fld id="{1D8BD707-D9CF-40AE-B4C6-C98DA3205C09}" type="datetimeFigureOut">
               <a:rPr lang="en-US" smtClean="0"/>
               <a:pPr/>
-              <a:t>10/4/2019</a:t>
+              <a:t>10/5/2019</a:t>
             </a:fld>
             <a:endParaRPr lang="en-US"/>
           </a:p>
@@ -2308,7 +2309,7 @@
             <a:fld id="{1D8BD707-D9CF-40AE-B4C6-C98DA3205C09}" type="datetimeFigureOut">
               <a:rPr lang="en-US" smtClean="0"/>
               <a:pPr/>
-              <a:t>10/4/2019</a:t>
+              <a:t>10/5/2019</a:t>
             </a:fld>
             <a:endParaRPr lang="en-US"/>
           </a:p>
@@ -2582,7 +2583,7 @@
             <a:fld id="{1D8BD707-D9CF-40AE-B4C6-C98DA3205C09}" type="datetimeFigureOut">
               <a:rPr lang="en-US" smtClean="0"/>
               <a:pPr/>
-              <a:t>10/4/2019</a:t>
+              <a:t>10/5/2019</a:t>
             </a:fld>
             <a:endParaRPr lang="en-US"/>
           </a:p>
@@ -2832,7 +2833,7 @@
             <a:fld id="{1D8BD707-D9CF-40AE-B4C6-C98DA3205C09}" type="datetimeFigureOut">
               <a:rPr lang="en-US" smtClean="0"/>
               <a:pPr/>
-              <a:t>10/4/2019</a:t>
+              <a:t>10/5/2019</a:t>
             </a:fld>
             <a:endParaRPr lang="en-US"/>
           </a:p>
@@ -3042,7 +3043,7 @@
             <a:fld id="{1D8BD707-D9CF-40AE-B4C6-C98DA3205C09}" type="datetimeFigureOut">
               <a:rPr lang="en-US" smtClean="0"/>
               <a:pPr/>
-              <a:t>10/4/2019</a:t>
+              <a:t>10/5/2019</a:t>
             </a:fld>
             <a:endParaRPr lang="en-US"/>
           </a:p>
@@ -3444,26 +3445,14 @@
             </a:br>
             <a:r>
               <a:rPr lang="en-US" dirty="0" smtClean="0"/>
-              <a:t> lecture </a:t>
-            </a:r>
-            <a:r>
-              <a:rPr lang="en-US" dirty="0" smtClean="0"/>
-              <a:t>6</a:t>
-            </a:r>
-            <a:r>
-              <a:rPr lang="en-US" dirty="0" smtClean="0"/>
-              <a:t/>
+              <a:t> lecture 6</a:t>
             </a:r>
             <a:br>
               <a:rPr lang="en-US" dirty="0" smtClean="0"/>
             </a:br>
             <a:r>
               <a:rPr lang="en-US" dirty="0" smtClean="0"/>
-              <a:t> </a:t>
-            </a:r>
-            <a:r>
-              <a:rPr lang="en-US" dirty="0" smtClean="0"/>
-              <a:t>Http Client</a:t>
+              <a:t> Http Client</a:t>
             </a:r>
             <a:endParaRPr lang="en-US" dirty="0"/>
           </a:p>
@@ -3536,7 +3525,7 @@
           <a:p>
             <a:r>
               <a:rPr lang="en-US" b="1" dirty="0" smtClean="0"/>
-              <a:t>serves</a:t>
+              <a:t>Service</a:t>
             </a:r>
             <a:r>
               <a:rPr lang="en-US" dirty="0" smtClean="0"/>
@@ -3549,1092 +3538,32 @@
           </a:p>
         </p:txBody>
       </p:sp>
-      <p:sp>
-        <p:nvSpPr>
-          <p:cNvPr id="3074" name="Rectangle 2"/>
-          <p:cNvSpPr>
-            <a:spLocks noChangeArrowheads="1"/>
-          </p:cNvSpPr>
+      <p:pic>
+        <p:nvPicPr>
+          <p:cNvPr id="3" name="Picture 2" descr="https://qph.fs.quoracdn.net/main-qimg-d5116c28e8ae1f61602683fc99bb548f"/>
+          <p:cNvPicPr>
+            <a:picLocks noChangeAspect="1" noChangeArrowheads="1"/>
+          </p:cNvPicPr>
           <p:nvPr/>
-        </p:nvSpPr>
+        </p:nvPicPr>
+        <p:blipFill>
+          <a:blip r:embed="rId2"/>
+          <a:srcRect/>
+          <a:stretch>
+            <a:fillRect/>
+          </a:stretch>
+        </p:blipFill>
         <p:spPr bwMode="auto">
           <a:xfrm>
-            <a:off x="304800" y="1447800"/>
-            <a:ext cx="7994496" cy="3077766"/>
+            <a:off x="0" y="1600200"/>
+            <a:ext cx="9529085" cy="5257800"/>
           </a:xfrm>
           <a:prstGeom prst="rect">
             <a:avLst/>
           </a:prstGeom>
-          <a:solidFill>
-            <a:srgbClr val="FFFFFF"/>
-          </a:solidFill>
-          <a:ln w="9525">
-            <a:noFill/>
-            <a:miter lim="800000"/>
-            <a:headEnd/>
-            <a:tailEnd/>
-          </a:ln>
-          <a:effectLst/>
+          <a:noFill/>
         </p:spPr>
-        <p:txBody>
-          <a:bodyPr vert="horz" wrap="none" lIns="91440" tIns="45720" rIns="91440" bIns="45720" numCol="1" anchor="ctr" anchorCtr="0" compatLnSpc="1">
-            <a:prstTxWarp prst="textNoShape">
-              <a:avLst/>
-            </a:prstTxWarp>
-            <a:spAutoFit/>
-          </a:bodyPr>
-          <a:lstStyle/>
-          <a:p>
-            <a:pPr marL="0" marR="0" lvl="0" indent="0" algn="l" defTabSz="914400" rtl="0" eaLnBrk="1" fontAlgn="base" latinLnBrk="0" hangingPunct="1">
-              <a:lnSpc>
-                <a:spcPct val="100000"/>
-              </a:lnSpc>
-              <a:spcBef>
-                <a:spcPct val="0"/>
-              </a:spcBef>
-              <a:spcAft>
-                <a:spcPct val="0"/>
-              </a:spcAft>
-              <a:buClrTx/>
-              <a:buSzTx/>
-              <a:buFontTx/>
-              <a:buNone/>
-              <a:tabLst/>
-            </a:pPr>
-            <a:r>
-              <a:rPr kumimoji="0" lang="en-US" sz="2400" b="1" i="0" u="none" strike="noStrike" cap="none" normalizeH="0" baseline="0" dirty="0" err="1" smtClean="0">
-                <a:ln>
-                  <a:noFill/>
-                </a:ln>
-                <a:solidFill>
-                  <a:srgbClr val="373D49"/>
-                </a:solidFill>
-                <a:effectLst/>
-                <a:latin typeface="Source Sans Pro"/>
-                <a:cs typeface="Arial" pitchFamily="34" charset="0"/>
-              </a:rPr>
-              <a:t>PostService</a:t>
-            </a:r>
-            <a:endParaRPr kumimoji="0" lang="en-US" sz="2400" b="1" i="0" u="none" strike="noStrike" cap="none" normalizeH="0" baseline="0" dirty="0" smtClean="0">
-              <a:ln>
-                <a:noFill/>
-              </a:ln>
-              <a:solidFill>
-                <a:srgbClr val="373D49"/>
-              </a:solidFill>
-              <a:effectLst/>
-              <a:latin typeface="Source Sans Pro"/>
-              <a:cs typeface="Arial" pitchFamily="34" charset="0"/>
-            </a:endParaRPr>
-          </a:p>
-          <a:p>
-            <a:pPr marL="0" marR="0" lvl="0" indent="0" algn="l" defTabSz="914400" rtl="0" eaLnBrk="1" fontAlgn="base" latinLnBrk="0" hangingPunct="1">
-              <a:lnSpc>
-                <a:spcPct val="100000"/>
-              </a:lnSpc>
-              <a:spcBef>
-                <a:spcPct val="0"/>
-              </a:spcBef>
-              <a:spcAft>
-                <a:spcPct val="0"/>
-              </a:spcAft>
-              <a:buClrTx/>
-              <a:buSzTx/>
-              <a:buFontTx/>
-              <a:buNone/>
-              <a:tabLst/>
-            </a:pPr>
-            <a:endParaRPr kumimoji="0" lang="en-US" sz="2400" b="1" i="0" u="none" strike="noStrike" cap="none" normalizeH="0" baseline="0" dirty="0" smtClean="0">
-              <a:ln>
-                <a:noFill/>
-              </a:ln>
-              <a:solidFill>
-                <a:srgbClr val="373D49"/>
-              </a:solidFill>
-              <a:effectLst/>
-              <a:latin typeface="Source Sans Pro"/>
-              <a:cs typeface="Arial" pitchFamily="34" charset="0"/>
-            </a:endParaRPr>
-          </a:p>
-          <a:p>
-            <a:pPr marL="0" marR="0" lvl="0" indent="0" algn="l" defTabSz="914400" rtl="0" eaLnBrk="0" fontAlgn="base" latinLnBrk="0" hangingPunct="0">
-              <a:lnSpc>
-                <a:spcPct val="100000"/>
-              </a:lnSpc>
-              <a:spcBef>
-                <a:spcPct val="0"/>
-              </a:spcBef>
-              <a:spcAft>
-                <a:spcPct val="0"/>
-              </a:spcAft>
-              <a:buClrTx/>
-              <a:buSzTx/>
-              <a:buFontTx/>
-              <a:buNone/>
-              <a:tabLst/>
-            </a:pPr>
-            <a:r>
-              <a:rPr kumimoji="0" lang="en-US" sz="1200" b="0" i="0" u="none" strike="noStrike" cap="none" normalizeH="0" baseline="0" dirty="0" smtClean="0">
-                <a:ln>
-                  <a:noFill/>
-                </a:ln>
-                <a:solidFill>
-                  <a:srgbClr val="333333"/>
-                </a:solidFill>
-                <a:effectLst/>
-                <a:latin typeface="Courier New" pitchFamily="49" charset="0"/>
-                <a:cs typeface="Courier New" pitchFamily="49" charset="0"/>
-              </a:rPr>
-              <a:t>## create to Create </a:t>
-            </a:r>
-            <a:r>
-              <a:rPr kumimoji="0" lang="en-US" sz="1200" b="0" i="0" u="none" strike="noStrike" cap="none" normalizeH="0" baseline="0" dirty="0" err="1" smtClean="0">
-                <a:ln>
-                  <a:noFill/>
-                </a:ln>
-                <a:solidFill>
-                  <a:srgbClr val="333333"/>
-                </a:solidFill>
-                <a:effectLst/>
-                <a:latin typeface="Courier New" pitchFamily="49" charset="0"/>
-                <a:cs typeface="Courier New" pitchFamily="49" charset="0"/>
-              </a:rPr>
-              <a:t>PostService</a:t>
-            </a:r>
-            <a:r>
-              <a:rPr kumimoji="0" lang="en-US" sz="1200" b="0" i="0" u="none" strike="noStrike" cap="none" normalizeH="0" baseline="0" dirty="0" smtClean="0">
-                <a:ln>
-                  <a:noFill/>
-                </a:ln>
-                <a:solidFill>
-                  <a:srgbClr val="333333"/>
-                </a:solidFill>
-                <a:effectLst/>
-                <a:latin typeface="Courier New" pitchFamily="49" charset="0"/>
-                <a:cs typeface="Courier New" pitchFamily="49" charset="0"/>
-              </a:rPr>
-              <a:t> :</a:t>
-            </a:r>
-          </a:p>
-          <a:p>
-            <a:pPr marL="0" marR="0" lvl="0" indent="0" algn="l" defTabSz="914400" rtl="0" eaLnBrk="0" fontAlgn="base" latinLnBrk="0" hangingPunct="0">
-              <a:lnSpc>
-                <a:spcPct val="100000"/>
-              </a:lnSpc>
-              <a:spcBef>
-                <a:spcPct val="0"/>
-              </a:spcBef>
-              <a:spcAft>
-                <a:spcPct val="0"/>
-              </a:spcAft>
-              <a:buClrTx/>
-              <a:buSzTx/>
-              <a:buFontTx/>
-              <a:buNone/>
-              <a:tabLst/>
-            </a:pPr>
-            <a:r>
-              <a:rPr kumimoji="0" lang="en-US" sz="1200" b="0" i="0" u="none" strike="noStrike" cap="none" normalizeH="0" baseline="0" dirty="0" err="1" smtClean="0">
-                <a:ln>
-                  <a:noFill/>
-                </a:ln>
-                <a:solidFill>
-                  <a:srgbClr val="333333"/>
-                </a:solidFill>
-                <a:effectLst/>
-                <a:latin typeface="Courier New" pitchFamily="49" charset="0"/>
-                <a:cs typeface="Courier New" pitchFamily="49" charset="0"/>
-              </a:rPr>
-              <a:t>ng</a:t>
-            </a:r>
-            <a:r>
-              <a:rPr kumimoji="0" lang="en-US" sz="1200" b="0" i="0" u="none" strike="noStrike" cap="none" normalizeH="0" baseline="0" dirty="0" smtClean="0">
-                <a:ln>
-                  <a:noFill/>
-                </a:ln>
-                <a:solidFill>
-                  <a:srgbClr val="333333"/>
-                </a:solidFill>
-                <a:effectLst/>
-                <a:latin typeface="Courier New" pitchFamily="49" charset="0"/>
-                <a:cs typeface="Courier New" pitchFamily="49" charset="0"/>
-              </a:rPr>
-              <a:t> g </a:t>
-            </a:r>
-            <a:r>
-              <a:rPr kumimoji="0" lang="en-US" sz="1200" b="0" i="0" u="none" strike="noStrike" cap="none" normalizeH="0" baseline="0" dirty="0" err="1" smtClean="0">
-                <a:ln>
-                  <a:noFill/>
-                </a:ln>
-                <a:solidFill>
-                  <a:srgbClr val="333333"/>
-                </a:solidFill>
-                <a:effectLst/>
-                <a:latin typeface="Courier New" pitchFamily="49" charset="0"/>
-                <a:cs typeface="Courier New" pitchFamily="49" charset="0"/>
-              </a:rPr>
-              <a:t>i</a:t>
-            </a:r>
-            <a:r>
-              <a:rPr kumimoji="0" lang="en-US" sz="1200" b="0" i="0" u="none" strike="noStrike" cap="none" normalizeH="0" baseline="0" dirty="0" smtClean="0">
-                <a:ln>
-                  <a:noFill/>
-                </a:ln>
-                <a:solidFill>
-                  <a:srgbClr val="333333"/>
-                </a:solidFill>
-                <a:effectLst/>
-                <a:latin typeface="Courier New" pitchFamily="49" charset="0"/>
-                <a:cs typeface="Courier New" pitchFamily="49" charset="0"/>
-              </a:rPr>
-              <a:t> services/post </a:t>
-            </a:r>
-          </a:p>
-          <a:p>
-            <a:pPr marL="0" marR="0" lvl="0" indent="0" algn="l" defTabSz="914400" rtl="0" eaLnBrk="0" fontAlgn="base" latinLnBrk="0" hangingPunct="0">
-              <a:lnSpc>
-                <a:spcPct val="100000"/>
-              </a:lnSpc>
-              <a:spcBef>
-                <a:spcPct val="0"/>
-              </a:spcBef>
-              <a:spcAft>
-                <a:spcPct val="0"/>
-              </a:spcAft>
-              <a:buClrTx/>
-              <a:buSzTx/>
-              <a:buFontTx/>
-              <a:buNone/>
-              <a:tabLst/>
-            </a:pPr>
-            <a:endParaRPr kumimoji="0" lang="en-US" sz="1200" b="0" i="0" u="none" strike="noStrike" cap="none" normalizeH="0" baseline="0" dirty="0" smtClean="0">
-              <a:ln>
-                <a:noFill/>
-              </a:ln>
-              <a:solidFill>
-                <a:srgbClr val="333333"/>
-              </a:solidFill>
-              <a:effectLst/>
-              <a:latin typeface="Courier New" pitchFamily="49" charset="0"/>
-              <a:cs typeface="Courier New" pitchFamily="49" charset="0"/>
-            </a:endParaRPr>
-          </a:p>
-          <a:p>
-            <a:pPr marL="0" marR="0" lvl="0" indent="0" algn="l" defTabSz="914400" rtl="0" eaLnBrk="0" fontAlgn="base" latinLnBrk="0" hangingPunct="0">
-              <a:lnSpc>
-                <a:spcPct val="100000"/>
-              </a:lnSpc>
-              <a:spcBef>
-                <a:spcPct val="0"/>
-              </a:spcBef>
-              <a:spcAft>
-                <a:spcPct val="0"/>
-              </a:spcAft>
-              <a:buClrTx/>
-              <a:buSzTx/>
-              <a:buFontTx/>
-              <a:buNone/>
-              <a:tabLst/>
-            </a:pPr>
-            <a:endParaRPr kumimoji="0" lang="en-US" sz="1400" b="0" i="0" u="none" strike="noStrike" cap="none" normalizeH="0" baseline="0" dirty="0" smtClean="0">
-              <a:ln>
-                <a:noFill/>
-              </a:ln>
-              <a:solidFill>
-                <a:srgbClr val="333333"/>
-              </a:solidFill>
-              <a:effectLst/>
-              <a:latin typeface="Courier New" pitchFamily="49" charset="0"/>
-              <a:cs typeface="Courier New" pitchFamily="49" charset="0"/>
-            </a:endParaRPr>
-          </a:p>
-          <a:p>
-            <a:pPr marL="0" marR="0" lvl="0" indent="0" algn="l" defTabSz="914400" rtl="0" eaLnBrk="0" fontAlgn="base" latinLnBrk="0" hangingPunct="0">
-              <a:lnSpc>
-                <a:spcPct val="100000"/>
-              </a:lnSpc>
-              <a:spcBef>
-                <a:spcPct val="0"/>
-              </a:spcBef>
-              <a:spcAft>
-                <a:spcPct val="0"/>
-              </a:spcAft>
-              <a:buClrTx/>
-              <a:buSzTx/>
-              <a:buFontTx/>
-              <a:buNone/>
-              <a:tabLst/>
-            </a:pPr>
-            <a:r>
-              <a:rPr kumimoji="0" lang="en-US" sz="1200" b="0" i="0" u="none" strike="noStrike" cap="none" normalizeH="0" baseline="0" dirty="0" smtClean="0">
-                <a:ln>
-                  <a:noFill/>
-                </a:ln>
-                <a:solidFill>
-                  <a:srgbClr val="859900"/>
-                </a:solidFill>
-                <a:effectLst/>
-                <a:latin typeface="Courier New" pitchFamily="49" charset="0"/>
-                <a:cs typeface="Courier New" pitchFamily="49" charset="0"/>
-              </a:rPr>
-              <a:t> import</a:t>
-            </a:r>
-            <a:r>
-              <a:rPr kumimoji="0" lang="en-US" sz="1200" b="0" i="0" u="none" strike="noStrike" cap="none" normalizeH="0" baseline="0" dirty="0" smtClean="0">
-                <a:ln>
-                  <a:noFill/>
-                </a:ln>
-                <a:solidFill>
-                  <a:srgbClr val="333333"/>
-                </a:solidFill>
-                <a:effectLst/>
-                <a:latin typeface="Courier New" pitchFamily="49" charset="0"/>
-                <a:cs typeface="Courier New" pitchFamily="49" charset="0"/>
-              </a:rPr>
-              <a:t> { </a:t>
-            </a:r>
-            <a:r>
-              <a:rPr kumimoji="0" lang="en-US" sz="1200" b="0" i="0" u="none" strike="noStrike" cap="none" normalizeH="0" baseline="0" dirty="0" err="1" smtClean="0">
-                <a:ln>
-                  <a:noFill/>
-                </a:ln>
-                <a:solidFill>
-                  <a:srgbClr val="333333"/>
-                </a:solidFill>
-                <a:effectLst/>
-                <a:latin typeface="Courier New" pitchFamily="49" charset="0"/>
-                <a:cs typeface="Courier New" pitchFamily="49" charset="0"/>
-              </a:rPr>
-              <a:t>Injectable</a:t>
-            </a:r>
-            <a:r>
-              <a:rPr kumimoji="0" lang="en-US" sz="1200" b="0" i="0" u="none" strike="noStrike" cap="none" normalizeH="0" baseline="0" dirty="0" smtClean="0">
-                <a:ln>
-                  <a:noFill/>
-                </a:ln>
-                <a:solidFill>
-                  <a:srgbClr val="333333"/>
-                </a:solidFill>
-                <a:effectLst/>
-                <a:latin typeface="Courier New" pitchFamily="49" charset="0"/>
-                <a:cs typeface="Courier New" pitchFamily="49" charset="0"/>
-              </a:rPr>
-              <a:t> } </a:t>
-            </a:r>
-            <a:r>
-              <a:rPr kumimoji="0" lang="en-US" sz="1200" b="0" i="0" u="none" strike="noStrike" cap="none" normalizeH="0" baseline="0" dirty="0" smtClean="0">
-                <a:ln>
-                  <a:noFill/>
-                </a:ln>
-                <a:solidFill>
-                  <a:srgbClr val="859900"/>
-                </a:solidFill>
-                <a:effectLst/>
-                <a:latin typeface="Courier New" pitchFamily="49" charset="0"/>
-                <a:cs typeface="Courier New" pitchFamily="49" charset="0"/>
-              </a:rPr>
-              <a:t>from</a:t>
-            </a:r>
-            <a:r>
-              <a:rPr kumimoji="0" lang="en-US" sz="1200" b="0" i="0" u="none" strike="noStrike" cap="none" normalizeH="0" baseline="0" dirty="0" smtClean="0">
-                <a:ln>
-                  <a:noFill/>
-                </a:ln>
-                <a:solidFill>
-                  <a:srgbClr val="333333"/>
-                </a:solidFill>
-                <a:effectLst/>
-                <a:latin typeface="Courier New" pitchFamily="49" charset="0"/>
-                <a:cs typeface="Courier New" pitchFamily="49" charset="0"/>
-              </a:rPr>
-              <a:t> </a:t>
-            </a:r>
-            <a:r>
-              <a:rPr kumimoji="0" lang="en-US" sz="1200" b="0" i="0" u="none" strike="noStrike" cap="none" normalizeH="0" baseline="0" dirty="0" smtClean="0">
-                <a:ln>
-                  <a:noFill/>
-                </a:ln>
-                <a:solidFill>
-                  <a:srgbClr val="2AA198"/>
-                </a:solidFill>
-                <a:effectLst/>
-                <a:latin typeface="Courier New" pitchFamily="49" charset="0"/>
-                <a:cs typeface="Courier New" pitchFamily="49" charset="0"/>
-              </a:rPr>
-              <a:t>'@angular/core'</a:t>
-            </a:r>
-            <a:r>
-              <a:rPr kumimoji="0" lang="en-US" sz="1200" b="0" i="0" u="none" strike="noStrike" cap="none" normalizeH="0" baseline="0" dirty="0" smtClean="0">
-                <a:ln>
-                  <a:noFill/>
-                </a:ln>
-                <a:solidFill>
-                  <a:srgbClr val="333333"/>
-                </a:solidFill>
-                <a:effectLst/>
-                <a:latin typeface="Courier New" pitchFamily="49" charset="0"/>
-                <a:cs typeface="Courier New" pitchFamily="49" charset="0"/>
-              </a:rPr>
-              <a:t>;</a:t>
-            </a:r>
-          </a:p>
-          <a:p>
-            <a:pPr marL="0" marR="0" lvl="0" indent="0" algn="l" defTabSz="914400" rtl="0" eaLnBrk="0" fontAlgn="base" latinLnBrk="0" hangingPunct="0">
-              <a:lnSpc>
-                <a:spcPct val="100000"/>
-              </a:lnSpc>
-              <a:spcBef>
-                <a:spcPct val="0"/>
-              </a:spcBef>
-              <a:spcAft>
-                <a:spcPct val="0"/>
-              </a:spcAft>
-              <a:buClrTx/>
-              <a:buSzTx/>
-              <a:buFontTx/>
-              <a:buNone/>
-              <a:tabLst/>
-            </a:pPr>
-            <a:r>
-              <a:rPr kumimoji="0" lang="en-US" sz="1200" b="0" i="0" u="none" strike="noStrike" cap="none" normalizeH="0" baseline="0" dirty="0" smtClean="0">
-                <a:ln>
-                  <a:noFill/>
-                </a:ln>
-                <a:solidFill>
-                  <a:srgbClr val="333333"/>
-                </a:solidFill>
-                <a:effectLst/>
-                <a:latin typeface="Courier New" pitchFamily="49" charset="0"/>
-                <a:cs typeface="Courier New" pitchFamily="49" charset="0"/>
-              </a:rPr>
-              <a:t> </a:t>
-            </a:r>
-            <a:r>
-              <a:rPr kumimoji="0" lang="en-US" sz="1200" b="0" i="0" u="none" strike="noStrike" cap="none" normalizeH="0" baseline="0" dirty="0" smtClean="0">
-                <a:ln>
-                  <a:noFill/>
-                </a:ln>
-                <a:solidFill>
-                  <a:srgbClr val="859900"/>
-                </a:solidFill>
-                <a:effectLst/>
-                <a:latin typeface="Courier New" pitchFamily="49" charset="0"/>
-                <a:cs typeface="Courier New" pitchFamily="49" charset="0"/>
-              </a:rPr>
-              <a:t>import</a:t>
-            </a:r>
-            <a:r>
-              <a:rPr kumimoji="0" lang="en-US" sz="1200" b="0" i="0" u="none" strike="noStrike" cap="none" normalizeH="0" baseline="0" dirty="0" smtClean="0">
-                <a:ln>
-                  <a:noFill/>
-                </a:ln>
-                <a:solidFill>
-                  <a:srgbClr val="333333"/>
-                </a:solidFill>
-                <a:effectLst/>
-                <a:latin typeface="Courier New" pitchFamily="49" charset="0"/>
-                <a:cs typeface="Courier New" pitchFamily="49" charset="0"/>
-              </a:rPr>
-              <a:t> { </a:t>
-            </a:r>
-            <a:r>
-              <a:rPr kumimoji="0" lang="en-US" sz="1200" b="0" i="0" u="none" strike="noStrike" cap="none" normalizeH="0" baseline="0" dirty="0" err="1" smtClean="0">
-                <a:ln>
-                  <a:noFill/>
-                </a:ln>
-                <a:solidFill>
-                  <a:srgbClr val="333333"/>
-                </a:solidFill>
-                <a:effectLst/>
-                <a:latin typeface="Courier New" pitchFamily="49" charset="0"/>
-                <a:cs typeface="Courier New" pitchFamily="49" charset="0"/>
-              </a:rPr>
-              <a:t>HttpClient</a:t>
-            </a:r>
-            <a:r>
-              <a:rPr kumimoji="0" lang="en-US" sz="1200" b="0" i="0" u="none" strike="noStrike" cap="none" normalizeH="0" baseline="0" dirty="0" smtClean="0">
-                <a:ln>
-                  <a:noFill/>
-                </a:ln>
-                <a:solidFill>
-                  <a:srgbClr val="333333"/>
-                </a:solidFill>
-                <a:effectLst/>
-                <a:latin typeface="Courier New" pitchFamily="49" charset="0"/>
-                <a:cs typeface="Courier New" pitchFamily="49" charset="0"/>
-              </a:rPr>
-              <a:t> } </a:t>
-            </a:r>
-            <a:r>
-              <a:rPr kumimoji="0" lang="en-US" sz="1200" b="0" i="0" u="none" strike="noStrike" cap="none" normalizeH="0" baseline="0" dirty="0" smtClean="0">
-                <a:ln>
-                  <a:noFill/>
-                </a:ln>
-                <a:solidFill>
-                  <a:srgbClr val="859900"/>
-                </a:solidFill>
-                <a:effectLst/>
-                <a:latin typeface="Courier New" pitchFamily="49" charset="0"/>
-                <a:cs typeface="Courier New" pitchFamily="49" charset="0"/>
-              </a:rPr>
-              <a:t>from</a:t>
-            </a:r>
-            <a:r>
-              <a:rPr kumimoji="0" lang="en-US" sz="1200" b="0" i="0" u="none" strike="noStrike" cap="none" normalizeH="0" baseline="0" dirty="0" smtClean="0">
-                <a:ln>
-                  <a:noFill/>
-                </a:ln>
-                <a:solidFill>
-                  <a:srgbClr val="333333"/>
-                </a:solidFill>
-                <a:effectLst/>
-                <a:latin typeface="Courier New" pitchFamily="49" charset="0"/>
-                <a:cs typeface="Courier New" pitchFamily="49" charset="0"/>
-              </a:rPr>
-              <a:t> </a:t>
-            </a:r>
-            <a:r>
-              <a:rPr kumimoji="0" lang="en-US" sz="1200" b="0" i="0" u="none" strike="noStrike" cap="none" normalizeH="0" baseline="0" dirty="0" smtClean="0">
-                <a:ln>
-                  <a:noFill/>
-                </a:ln>
-                <a:solidFill>
-                  <a:srgbClr val="2AA198"/>
-                </a:solidFill>
-                <a:effectLst/>
-                <a:latin typeface="Courier New" pitchFamily="49" charset="0"/>
-                <a:cs typeface="Courier New" pitchFamily="49" charset="0"/>
-              </a:rPr>
-              <a:t>'@angular/common/http'</a:t>
-            </a:r>
-            <a:r>
-              <a:rPr kumimoji="0" lang="en-US" sz="1200" b="0" i="0" u="none" strike="noStrike" cap="none" normalizeH="0" baseline="0" dirty="0" smtClean="0">
-                <a:ln>
-                  <a:noFill/>
-                </a:ln>
-                <a:solidFill>
-                  <a:srgbClr val="333333"/>
-                </a:solidFill>
-                <a:effectLst/>
-                <a:latin typeface="Courier New" pitchFamily="49" charset="0"/>
-                <a:cs typeface="Courier New" pitchFamily="49" charset="0"/>
-              </a:rPr>
-              <a:t>;</a:t>
-            </a:r>
-          </a:p>
-          <a:p>
-            <a:pPr marL="0" marR="0" lvl="0" indent="0" algn="l" defTabSz="914400" rtl="0" eaLnBrk="0" fontAlgn="base" latinLnBrk="0" hangingPunct="0">
-              <a:lnSpc>
-                <a:spcPct val="100000"/>
-              </a:lnSpc>
-              <a:spcBef>
-                <a:spcPct val="0"/>
-              </a:spcBef>
-              <a:spcAft>
-                <a:spcPct val="0"/>
-              </a:spcAft>
-              <a:buClrTx/>
-              <a:buSzTx/>
-              <a:buFontTx/>
-              <a:buNone/>
-              <a:tabLst/>
-            </a:pPr>
-            <a:r>
-              <a:rPr kumimoji="0" lang="en-US" sz="1200" b="0" i="0" u="none" strike="noStrike" cap="none" normalizeH="0" baseline="0" dirty="0" smtClean="0">
-                <a:ln>
-                  <a:noFill/>
-                </a:ln>
-                <a:solidFill>
-                  <a:srgbClr val="333333"/>
-                </a:solidFill>
-                <a:effectLst/>
-                <a:latin typeface="Courier New" pitchFamily="49" charset="0"/>
-                <a:cs typeface="Courier New" pitchFamily="49" charset="0"/>
-              </a:rPr>
-              <a:t> @</a:t>
-            </a:r>
-            <a:r>
-              <a:rPr kumimoji="0" lang="en-US" sz="1200" b="0" i="0" u="none" strike="noStrike" cap="none" normalizeH="0" baseline="0" dirty="0" err="1" smtClean="0">
-                <a:ln>
-                  <a:noFill/>
-                </a:ln>
-                <a:solidFill>
-                  <a:srgbClr val="333333"/>
-                </a:solidFill>
-                <a:effectLst/>
-                <a:latin typeface="Courier New" pitchFamily="49" charset="0"/>
-                <a:cs typeface="Courier New" pitchFamily="49" charset="0"/>
-              </a:rPr>
-              <a:t>Injectable</a:t>
-            </a:r>
-            <a:r>
-              <a:rPr kumimoji="0" lang="en-US" sz="1200" b="0" i="0" u="none" strike="noStrike" cap="none" normalizeH="0" baseline="0" dirty="0" smtClean="0">
-                <a:ln>
-                  <a:noFill/>
-                </a:ln>
-                <a:solidFill>
-                  <a:srgbClr val="333333"/>
-                </a:solidFill>
-                <a:effectLst/>
-                <a:latin typeface="Courier New" pitchFamily="49" charset="0"/>
-                <a:cs typeface="Courier New" pitchFamily="49" charset="0"/>
-              </a:rPr>
-              <a:t>({ </a:t>
-            </a:r>
-            <a:r>
-              <a:rPr kumimoji="0" lang="en-US" sz="1200" b="0" i="0" u="none" strike="noStrike" cap="none" normalizeH="0" baseline="0" dirty="0" err="1" smtClean="0">
-                <a:ln>
-                  <a:noFill/>
-                </a:ln>
-                <a:solidFill>
-                  <a:srgbClr val="333333"/>
-                </a:solidFill>
-                <a:effectLst/>
-                <a:latin typeface="Courier New" pitchFamily="49" charset="0"/>
-                <a:cs typeface="Courier New" pitchFamily="49" charset="0"/>
-              </a:rPr>
-              <a:t>providedIn</a:t>
-            </a:r>
-            <a:r>
-              <a:rPr kumimoji="0" lang="en-US" sz="1200" b="0" i="0" u="none" strike="noStrike" cap="none" normalizeH="0" baseline="0" dirty="0" smtClean="0">
-                <a:ln>
-                  <a:noFill/>
-                </a:ln>
-                <a:solidFill>
-                  <a:srgbClr val="333333"/>
-                </a:solidFill>
-                <a:effectLst/>
-                <a:latin typeface="Courier New" pitchFamily="49" charset="0"/>
-                <a:cs typeface="Courier New" pitchFamily="49" charset="0"/>
-              </a:rPr>
-              <a:t>: </a:t>
-            </a:r>
-            <a:r>
-              <a:rPr kumimoji="0" lang="en-US" sz="1200" b="0" i="0" u="none" strike="noStrike" cap="none" normalizeH="0" baseline="0" dirty="0" smtClean="0">
-                <a:ln>
-                  <a:noFill/>
-                </a:ln>
-                <a:solidFill>
-                  <a:srgbClr val="2AA198"/>
-                </a:solidFill>
-                <a:effectLst/>
-                <a:latin typeface="Courier New" pitchFamily="49" charset="0"/>
-                <a:cs typeface="Courier New" pitchFamily="49" charset="0"/>
-              </a:rPr>
-              <a:t>'root'</a:t>
-            </a:r>
-            <a:r>
-              <a:rPr kumimoji="0" lang="en-US" sz="1200" b="0" i="0" u="none" strike="noStrike" cap="none" normalizeH="0" baseline="0" dirty="0" smtClean="0">
-                <a:ln>
-                  <a:noFill/>
-                </a:ln>
-                <a:solidFill>
-                  <a:srgbClr val="333333"/>
-                </a:solidFill>
-                <a:effectLst/>
-                <a:latin typeface="Courier New" pitchFamily="49" charset="0"/>
-                <a:cs typeface="Courier New" pitchFamily="49" charset="0"/>
-              </a:rPr>
-              <a:t> }) </a:t>
-            </a:r>
-          </a:p>
-          <a:p>
-            <a:pPr marL="0" marR="0" lvl="0" indent="0" algn="l" defTabSz="914400" rtl="0" eaLnBrk="0" fontAlgn="base" latinLnBrk="0" hangingPunct="0">
-              <a:lnSpc>
-                <a:spcPct val="100000"/>
-              </a:lnSpc>
-              <a:spcBef>
-                <a:spcPct val="0"/>
-              </a:spcBef>
-              <a:spcAft>
-                <a:spcPct val="0"/>
-              </a:spcAft>
-              <a:buClrTx/>
-              <a:buSzTx/>
-              <a:buFontTx/>
-              <a:buNone/>
-              <a:tabLst/>
-            </a:pPr>
-            <a:r>
-              <a:rPr kumimoji="0" lang="en-US" sz="1200" b="0" i="0" u="none" strike="noStrike" cap="none" normalizeH="0" baseline="0" dirty="0" smtClean="0">
-                <a:ln>
-                  <a:noFill/>
-                </a:ln>
-                <a:solidFill>
-                  <a:srgbClr val="859900"/>
-                </a:solidFill>
-                <a:effectLst/>
-                <a:latin typeface="Courier New" pitchFamily="49" charset="0"/>
-                <a:cs typeface="Courier New" pitchFamily="49" charset="0"/>
-              </a:rPr>
-              <a:t>export</a:t>
-            </a:r>
-            <a:r>
-              <a:rPr kumimoji="0" lang="en-US" sz="1200" b="0" i="0" u="none" strike="noStrike" cap="none" normalizeH="0" baseline="0" dirty="0" smtClean="0">
-                <a:ln>
-                  <a:noFill/>
-                </a:ln>
-                <a:solidFill>
-                  <a:srgbClr val="333333"/>
-                </a:solidFill>
-                <a:effectLst/>
-                <a:latin typeface="Courier New" pitchFamily="49" charset="0"/>
-                <a:cs typeface="Courier New" pitchFamily="49" charset="0"/>
-              </a:rPr>
-              <a:t> </a:t>
-            </a:r>
-            <a:r>
-              <a:rPr kumimoji="0" lang="en-US" sz="1200" b="0" i="0" u="none" strike="noStrike" cap="none" normalizeH="0" baseline="0" dirty="0" smtClean="0">
-                <a:ln>
-                  <a:noFill/>
-                </a:ln>
-                <a:solidFill>
-                  <a:srgbClr val="859900"/>
-                </a:solidFill>
-                <a:effectLst/>
-                <a:latin typeface="Courier New" pitchFamily="49" charset="0"/>
-                <a:cs typeface="Courier New" pitchFamily="49" charset="0"/>
-              </a:rPr>
-              <a:t>class</a:t>
-            </a:r>
-            <a:r>
-              <a:rPr kumimoji="0" lang="en-US" sz="1200" b="0" i="0" u="none" strike="noStrike" cap="none" normalizeH="0" baseline="0" dirty="0" smtClean="0">
-                <a:ln>
-                  <a:noFill/>
-                </a:ln>
-                <a:solidFill>
-                  <a:srgbClr val="333333"/>
-                </a:solidFill>
-                <a:effectLst/>
-                <a:latin typeface="Courier New" pitchFamily="49" charset="0"/>
-                <a:cs typeface="Courier New" pitchFamily="49" charset="0"/>
-              </a:rPr>
-              <a:t> </a:t>
-            </a:r>
-            <a:r>
-              <a:rPr kumimoji="0" lang="en-US" sz="1200" b="0" i="0" u="none" strike="noStrike" cap="none" normalizeH="0" baseline="0" dirty="0" err="1" smtClean="0">
-                <a:ln>
-                  <a:noFill/>
-                </a:ln>
-                <a:solidFill>
-                  <a:srgbClr val="B58900"/>
-                </a:solidFill>
-                <a:effectLst/>
-                <a:latin typeface="Courier New" pitchFamily="49" charset="0"/>
-                <a:cs typeface="Courier New" pitchFamily="49" charset="0"/>
-              </a:rPr>
-              <a:t>PostService</a:t>
-            </a:r>
-            <a:r>
-              <a:rPr kumimoji="0" lang="en-US" sz="1200" b="0" i="0" u="none" strike="noStrike" cap="none" normalizeH="0" baseline="0" dirty="0" smtClean="0">
-                <a:ln>
-                  <a:noFill/>
-                </a:ln>
-                <a:solidFill>
-                  <a:srgbClr val="333333"/>
-                </a:solidFill>
-                <a:effectLst/>
-                <a:latin typeface="Courier New" pitchFamily="49" charset="0"/>
-                <a:cs typeface="Courier New" pitchFamily="49" charset="0"/>
-              </a:rPr>
-              <a:t> {</a:t>
-            </a:r>
-          </a:p>
-          <a:p>
-            <a:pPr marL="0" marR="0" lvl="0" indent="0" algn="l" defTabSz="914400" rtl="0" eaLnBrk="0" fontAlgn="base" latinLnBrk="0" hangingPunct="0">
-              <a:lnSpc>
-                <a:spcPct val="100000"/>
-              </a:lnSpc>
-              <a:spcBef>
-                <a:spcPct val="0"/>
-              </a:spcBef>
-              <a:spcAft>
-                <a:spcPct val="0"/>
-              </a:spcAft>
-              <a:buClrTx/>
-              <a:buSzTx/>
-              <a:buFontTx/>
-              <a:buNone/>
-              <a:tabLst/>
-            </a:pPr>
-            <a:r>
-              <a:rPr kumimoji="0" lang="en-US" sz="1200" b="0" i="0" u="none" strike="noStrike" cap="none" normalizeH="0" baseline="0" dirty="0" smtClean="0">
-                <a:ln>
-                  <a:noFill/>
-                </a:ln>
-                <a:solidFill>
-                  <a:srgbClr val="333333"/>
-                </a:solidFill>
-                <a:effectLst/>
-                <a:latin typeface="Courier New" pitchFamily="49" charset="0"/>
-                <a:cs typeface="Courier New" pitchFamily="49" charset="0"/>
-              </a:rPr>
-              <a:t> constructor(private </a:t>
-            </a:r>
-            <a:r>
-              <a:rPr kumimoji="0" lang="en-US" sz="1200" b="0" i="0" u="none" strike="noStrike" cap="none" normalizeH="0" baseline="0" dirty="0" err="1" smtClean="0">
-                <a:ln>
-                  <a:noFill/>
-                </a:ln>
-                <a:solidFill>
-                  <a:srgbClr val="333333"/>
-                </a:solidFill>
-                <a:effectLst/>
-                <a:latin typeface="Courier New" pitchFamily="49" charset="0"/>
-                <a:cs typeface="Courier New" pitchFamily="49" charset="0"/>
-              </a:rPr>
-              <a:t>httpclint:HttpClient</a:t>
-            </a:r>
-            <a:r>
-              <a:rPr kumimoji="0" lang="en-US" sz="1200" b="0" i="0" u="none" strike="noStrike" cap="none" normalizeH="0" baseline="0" dirty="0" smtClean="0">
-                <a:ln>
-                  <a:noFill/>
-                </a:ln>
-                <a:solidFill>
-                  <a:srgbClr val="333333"/>
-                </a:solidFill>
-                <a:effectLst/>
-                <a:latin typeface="Courier New" pitchFamily="49" charset="0"/>
-                <a:cs typeface="Courier New" pitchFamily="49" charset="0"/>
-              </a:rPr>
-              <a:t>) { }</a:t>
-            </a:r>
-          </a:p>
-          <a:p>
-            <a:pPr marL="0" marR="0" lvl="0" indent="0" algn="l" defTabSz="914400" rtl="0" eaLnBrk="0" fontAlgn="base" latinLnBrk="0" hangingPunct="0">
-              <a:lnSpc>
-                <a:spcPct val="100000"/>
-              </a:lnSpc>
-              <a:spcBef>
-                <a:spcPct val="0"/>
-              </a:spcBef>
-              <a:spcAft>
-                <a:spcPct val="0"/>
-              </a:spcAft>
-              <a:buClrTx/>
-              <a:buSzTx/>
-              <a:buFontTx/>
-              <a:buNone/>
-              <a:tabLst/>
-            </a:pPr>
-            <a:r>
-              <a:rPr kumimoji="0" lang="en-US" sz="1200" b="0" i="0" u="none" strike="noStrike" cap="none" normalizeH="0" baseline="0" dirty="0" smtClean="0">
-                <a:ln>
-                  <a:noFill/>
-                </a:ln>
-                <a:solidFill>
-                  <a:srgbClr val="333333"/>
-                </a:solidFill>
-                <a:effectLst/>
-                <a:latin typeface="Courier New" pitchFamily="49" charset="0"/>
-                <a:cs typeface="Courier New" pitchFamily="49" charset="0"/>
-              </a:rPr>
-              <a:t> </a:t>
-            </a:r>
-            <a:r>
-              <a:rPr kumimoji="0" lang="en-US" sz="1200" b="0" i="0" u="none" strike="noStrike" cap="none" normalizeH="0" baseline="0" dirty="0" err="1" smtClean="0">
-                <a:ln>
-                  <a:noFill/>
-                </a:ln>
-                <a:solidFill>
-                  <a:srgbClr val="333333"/>
-                </a:solidFill>
-                <a:effectLst/>
-                <a:latin typeface="Courier New" pitchFamily="49" charset="0"/>
-                <a:cs typeface="Courier New" pitchFamily="49" charset="0"/>
-              </a:rPr>
-              <a:t>getPosts</a:t>
-            </a:r>
-            <a:r>
-              <a:rPr kumimoji="0" lang="en-US" sz="1200" b="0" i="0" u="none" strike="noStrike" cap="none" normalizeH="0" baseline="0" dirty="0" smtClean="0">
-                <a:ln>
-                  <a:noFill/>
-                </a:ln>
-                <a:solidFill>
-                  <a:srgbClr val="333333"/>
-                </a:solidFill>
-                <a:effectLst/>
-                <a:latin typeface="Courier New" pitchFamily="49" charset="0"/>
-                <a:cs typeface="Courier New" pitchFamily="49" charset="0"/>
-              </a:rPr>
-              <a:t>(){ </a:t>
-            </a:r>
-            <a:r>
-              <a:rPr kumimoji="0" lang="en-US" sz="1200" b="0" i="0" u="none" strike="noStrike" cap="none" normalizeH="0" baseline="0" dirty="0" smtClean="0">
-                <a:ln>
-                  <a:noFill/>
-                </a:ln>
-                <a:solidFill>
-                  <a:srgbClr val="859900"/>
-                </a:solidFill>
-                <a:effectLst/>
-                <a:latin typeface="Courier New" pitchFamily="49" charset="0"/>
-                <a:cs typeface="Courier New" pitchFamily="49" charset="0"/>
-              </a:rPr>
-              <a:t>return</a:t>
-            </a:r>
-            <a:r>
-              <a:rPr kumimoji="0" lang="en-US" sz="1200" b="0" i="0" u="none" strike="noStrike" cap="none" normalizeH="0" baseline="0" dirty="0" smtClean="0">
-                <a:ln>
-                  <a:noFill/>
-                </a:ln>
-                <a:solidFill>
-                  <a:srgbClr val="333333"/>
-                </a:solidFill>
-                <a:effectLst/>
-                <a:latin typeface="Courier New" pitchFamily="49" charset="0"/>
-                <a:cs typeface="Courier New" pitchFamily="49" charset="0"/>
-              </a:rPr>
-              <a:t> </a:t>
-            </a:r>
-            <a:r>
-              <a:rPr kumimoji="0" lang="en-US" sz="1200" b="0" i="0" u="none" strike="noStrike" cap="none" normalizeH="0" baseline="0" dirty="0" err="1" smtClean="0">
-                <a:ln>
-                  <a:noFill/>
-                </a:ln>
-                <a:solidFill>
-                  <a:srgbClr val="859900"/>
-                </a:solidFill>
-                <a:effectLst/>
-                <a:latin typeface="Courier New" pitchFamily="49" charset="0"/>
-                <a:cs typeface="Courier New" pitchFamily="49" charset="0"/>
-              </a:rPr>
-              <a:t>this</a:t>
-            </a:r>
-            <a:r>
-              <a:rPr kumimoji="0" lang="en-US" sz="1200" b="0" i="0" u="none" strike="noStrike" cap="none" normalizeH="0" baseline="0" dirty="0" err="1" smtClean="0">
-                <a:ln>
-                  <a:noFill/>
-                </a:ln>
-                <a:solidFill>
-                  <a:srgbClr val="333333"/>
-                </a:solidFill>
-                <a:effectLst/>
-                <a:latin typeface="Courier New" pitchFamily="49" charset="0"/>
-                <a:cs typeface="Courier New" pitchFamily="49" charset="0"/>
-              </a:rPr>
-              <a:t>.httpclint.get</a:t>
-            </a:r>
-            <a:r>
-              <a:rPr kumimoji="0" lang="en-US" sz="1200" b="0" i="0" u="none" strike="noStrike" cap="none" normalizeH="0" baseline="0" dirty="0" smtClean="0">
-                <a:ln>
-                  <a:noFill/>
-                </a:ln>
-                <a:solidFill>
-                  <a:srgbClr val="333333"/>
-                </a:solidFill>
-                <a:effectLst/>
-                <a:latin typeface="Courier New" pitchFamily="49" charset="0"/>
-                <a:cs typeface="Courier New" pitchFamily="49" charset="0"/>
-              </a:rPr>
-              <a:t>(</a:t>
-            </a:r>
-            <a:r>
-              <a:rPr kumimoji="0" lang="en-US" sz="1200" b="0" i="0" u="none" strike="noStrike" cap="none" normalizeH="0" baseline="0" dirty="0" smtClean="0">
-                <a:ln>
-                  <a:noFill/>
-                </a:ln>
-                <a:solidFill>
-                  <a:srgbClr val="2AA198"/>
-                </a:solidFill>
-                <a:effectLst/>
-                <a:latin typeface="Courier New" pitchFamily="49" charset="0"/>
-                <a:cs typeface="Courier New" pitchFamily="49" charset="0"/>
-              </a:rPr>
-              <a:t>"http://jsonplaceholder.typicode.com/posts"</a:t>
-            </a:r>
-            <a:r>
-              <a:rPr kumimoji="0" lang="en-US" sz="1200" b="0" i="0" u="none" strike="noStrike" cap="none" normalizeH="0" baseline="0" dirty="0" smtClean="0">
-                <a:ln>
-                  <a:noFill/>
-                </a:ln>
-                <a:solidFill>
-                  <a:srgbClr val="333333"/>
-                </a:solidFill>
-                <a:effectLst/>
-                <a:latin typeface="Courier New" pitchFamily="49" charset="0"/>
-                <a:cs typeface="Courier New" pitchFamily="49" charset="0"/>
-              </a:rPr>
-              <a:t>);</a:t>
-            </a:r>
-          </a:p>
-          <a:p>
-            <a:pPr marL="0" marR="0" lvl="0" indent="0" algn="l" defTabSz="914400" rtl="0" eaLnBrk="0" fontAlgn="base" latinLnBrk="0" hangingPunct="0">
-              <a:lnSpc>
-                <a:spcPct val="100000"/>
-              </a:lnSpc>
-              <a:spcBef>
-                <a:spcPct val="0"/>
-              </a:spcBef>
-              <a:spcAft>
-                <a:spcPct val="0"/>
-              </a:spcAft>
-              <a:buClrTx/>
-              <a:buSzTx/>
-              <a:buFontTx/>
-              <a:buNone/>
-              <a:tabLst/>
-            </a:pPr>
-            <a:r>
-              <a:rPr kumimoji="0" lang="en-US" sz="1200" b="0" i="0" u="none" strike="noStrike" cap="none" normalizeH="0" baseline="0" dirty="0" smtClean="0">
-                <a:ln>
-                  <a:noFill/>
-                </a:ln>
-                <a:solidFill>
-                  <a:srgbClr val="333333"/>
-                </a:solidFill>
-                <a:effectLst/>
-                <a:latin typeface="Courier New" pitchFamily="49" charset="0"/>
-                <a:cs typeface="Courier New" pitchFamily="49" charset="0"/>
-              </a:rPr>
-              <a:t> } </a:t>
-            </a:r>
-          </a:p>
-          <a:p>
-            <a:pPr marL="0" marR="0" lvl="0" indent="0" algn="l" defTabSz="914400" rtl="0" eaLnBrk="0" fontAlgn="base" latinLnBrk="0" hangingPunct="0">
-              <a:lnSpc>
-                <a:spcPct val="100000"/>
-              </a:lnSpc>
-              <a:spcBef>
-                <a:spcPct val="0"/>
-              </a:spcBef>
-              <a:spcAft>
-                <a:spcPct val="0"/>
-              </a:spcAft>
-              <a:buClrTx/>
-              <a:buSzTx/>
-              <a:buFontTx/>
-              <a:buNone/>
-              <a:tabLst/>
-            </a:pPr>
-            <a:r>
-              <a:rPr kumimoji="0" lang="en-US" sz="1200" b="0" i="0" u="none" strike="noStrike" cap="none" normalizeH="0" baseline="0" dirty="0" smtClean="0">
-                <a:ln>
-                  <a:noFill/>
-                </a:ln>
-                <a:solidFill>
-                  <a:srgbClr val="333333"/>
-                </a:solidFill>
-                <a:effectLst/>
-                <a:latin typeface="Courier New" pitchFamily="49" charset="0"/>
-                <a:cs typeface="Courier New" pitchFamily="49" charset="0"/>
-              </a:rPr>
-              <a:t>}</a:t>
-            </a:r>
-            <a:endParaRPr kumimoji="0" lang="en-US" sz="2800" b="0" i="0" u="none" strike="noStrike" cap="none" normalizeH="0" baseline="0" dirty="0" smtClean="0">
-              <a:ln>
-                <a:noFill/>
-              </a:ln>
-              <a:solidFill>
-                <a:schemeClr val="tx1"/>
-              </a:solidFill>
-              <a:effectLst/>
-              <a:latin typeface="Arial" pitchFamily="34" charset="0"/>
-              <a:cs typeface="Arial" pitchFamily="34" charset="0"/>
-            </a:endParaRPr>
-          </a:p>
-        </p:txBody>
-      </p:sp>
+      </p:pic>
     </p:spTree>
   </p:cSld>
   <p:clrMapOvr>
@@ -4670,6 +3599,1149 @@
             <p:ph type="title"/>
           </p:nvPr>
         </p:nvSpPr>
+        <p:spPr/>
+        <p:txBody>
+          <a:bodyPr>
+            <a:normAutofit fontScale="90000"/>
+          </a:bodyPr>
+          <a:lstStyle/>
+          <a:p>
+            <a:r>
+              <a:rPr lang="en-US" b="1" dirty="0" smtClean="0"/>
+              <a:t>Service </a:t>
+            </a:r>
+            <a:r>
+              <a:rPr lang="en-US" dirty="0" smtClean="0"/>
+              <a:t/>
+            </a:r>
+            <a:br>
+              <a:rPr lang="en-US" dirty="0" smtClean="0"/>
+            </a:br>
+            <a:endParaRPr lang="en-US" dirty="0"/>
+          </a:p>
+        </p:txBody>
+      </p:sp>
+      <p:sp>
+        <p:nvSpPr>
+          <p:cNvPr id="3074" name="Rectangle 2"/>
+          <p:cNvSpPr>
+            <a:spLocks noChangeArrowheads="1"/>
+          </p:cNvSpPr>
+          <p:nvPr/>
+        </p:nvSpPr>
+        <p:spPr bwMode="auto">
+          <a:xfrm>
+            <a:off x="304800" y="1447800"/>
+            <a:ext cx="7994496" cy="3077766"/>
+          </a:xfrm>
+          <a:prstGeom prst="rect">
+            <a:avLst/>
+          </a:prstGeom>
+          <a:solidFill>
+            <a:srgbClr val="FFFFFF"/>
+          </a:solidFill>
+          <a:ln w="9525">
+            <a:noFill/>
+            <a:miter lim="800000"/>
+            <a:headEnd/>
+            <a:tailEnd/>
+          </a:ln>
+          <a:effectLst/>
+        </p:spPr>
+        <p:txBody>
+          <a:bodyPr vert="horz" wrap="none" lIns="91440" tIns="45720" rIns="91440" bIns="45720" numCol="1" anchor="ctr" anchorCtr="0" compatLnSpc="1">
+            <a:prstTxWarp prst="textNoShape">
+              <a:avLst/>
+            </a:prstTxWarp>
+            <a:spAutoFit/>
+          </a:bodyPr>
+          <a:lstStyle/>
+          <a:p>
+            <a:pPr marL="0" marR="0" lvl="0" indent="0" algn="l" defTabSz="914400" rtl="0" eaLnBrk="1" fontAlgn="base" latinLnBrk="0" hangingPunct="1">
+              <a:lnSpc>
+                <a:spcPct val="100000"/>
+              </a:lnSpc>
+              <a:spcBef>
+                <a:spcPct val="0"/>
+              </a:spcBef>
+              <a:spcAft>
+                <a:spcPct val="0"/>
+              </a:spcAft>
+              <a:buClrTx/>
+              <a:buSzTx/>
+              <a:buFontTx/>
+              <a:buNone/>
+              <a:tabLst/>
+            </a:pPr>
+            <a:r>
+              <a:rPr kumimoji="0" lang="en-US" sz="2400" b="1" i="0" u="none" strike="noStrike" cap="none" normalizeH="0" baseline="0" dirty="0" err="1" smtClean="0">
+                <a:ln>
+                  <a:noFill/>
+                </a:ln>
+                <a:solidFill>
+                  <a:srgbClr val="373D49"/>
+                </a:solidFill>
+                <a:effectLst/>
+                <a:latin typeface="Source Sans Pro"/>
+                <a:cs typeface="Arial" pitchFamily="34" charset="0"/>
+              </a:rPr>
+              <a:t>PostService</a:t>
+            </a:r>
+            <a:endParaRPr kumimoji="0" lang="en-US" sz="2400" b="1" i="0" u="none" strike="noStrike" cap="none" normalizeH="0" baseline="0" dirty="0" smtClean="0">
+              <a:ln>
+                <a:noFill/>
+              </a:ln>
+              <a:solidFill>
+                <a:srgbClr val="373D49"/>
+              </a:solidFill>
+              <a:effectLst/>
+              <a:latin typeface="Source Sans Pro"/>
+              <a:cs typeface="Arial" pitchFamily="34" charset="0"/>
+            </a:endParaRPr>
+          </a:p>
+          <a:p>
+            <a:pPr marL="0" marR="0" lvl="0" indent="0" algn="l" defTabSz="914400" rtl="0" eaLnBrk="1" fontAlgn="base" latinLnBrk="0" hangingPunct="1">
+              <a:lnSpc>
+                <a:spcPct val="100000"/>
+              </a:lnSpc>
+              <a:spcBef>
+                <a:spcPct val="0"/>
+              </a:spcBef>
+              <a:spcAft>
+                <a:spcPct val="0"/>
+              </a:spcAft>
+              <a:buClrTx/>
+              <a:buSzTx/>
+              <a:buFontTx/>
+              <a:buNone/>
+              <a:tabLst/>
+            </a:pPr>
+            <a:endParaRPr kumimoji="0" lang="en-US" sz="2400" b="1" i="0" u="none" strike="noStrike" cap="none" normalizeH="0" baseline="0" dirty="0" smtClean="0">
+              <a:ln>
+                <a:noFill/>
+              </a:ln>
+              <a:solidFill>
+                <a:srgbClr val="373D49"/>
+              </a:solidFill>
+              <a:effectLst/>
+              <a:latin typeface="Source Sans Pro"/>
+              <a:cs typeface="Arial" pitchFamily="34" charset="0"/>
+            </a:endParaRPr>
+          </a:p>
+          <a:p>
+            <a:pPr marL="0" marR="0" lvl="0" indent="0" algn="l" defTabSz="914400" rtl="0" eaLnBrk="0" fontAlgn="base" latinLnBrk="0" hangingPunct="0">
+              <a:lnSpc>
+                <a:spcPct val="100000"/>
+              </a:lnSpc>
+              <a:spcBef>
+                <a:spcPct val="0"/>
+              </a:spcBef>
+              <a:spcAft>
+                <a:spcPct val="0"/>
+              </a:spcAft>
+              <a:buClrTx/>
+              <a:buSzTx/>
+              <a:buFontTx/>
+              <a:buNone/>
+              <a:tabLst/>
+            </a:pPr>
+            <a:r>
+              <a:rPr kumimoji="0" lang="en-US" sz="1200" b="0" i="0" u="none" strike="noStrike" cap="none" normalizeH="0" baseline="0" dirty="0" smtClean="0">
+                <a:ln>
+                  <a:noFill/>
+                </a:ln>
+                <a:solidFill>
+                  <a:srgbClr val="333333"/>
+                </a:solidFill>
+                <a:effectLst/>
+                <a:latin typeface="Courier New" pitchFamily="49" charset="0"/>
+                <a:cs typeface="Courier New" pitchFamily="49" charset="0"/>
+              </a:rPr>
+              <a:t>## create to Create </a:t>
+            </a:r>
+            <a:r>
+              <a:rPr kumimoji="0" lang="en-US" sz="1200" b="0" i="0" u="none" strike="noStrike" cap="none" normalizeH="0" baseline="0" dirty="0" err="1" smtClean="0">
+                <a:ln>
+                  <a:noFill/>
+                </a:ln>
+                <a:solidFill>
+                  <a:srgbClr val="333333"/>
+                </a:solidFill>
+                <a:effectLst/>
+                <a:latin typeface="Courier New" pitchFamily="49" charset="0"/>
+                <a:cs typeface="Courier New" pitchFamily="49" charset="0"/>
+              </a:rPr>
+              <a:t>PostService</a:t>
+            </a:r>
+            <a:r>
+              <a:rPr kumimoji="0" lang="en-US" sz="1200" b="0" i="0" u="none" strike="noStrike" cap="none" normalizeH="0" baseline="0" dirty="0" smtClean="0">
+                <a:ln>
+                  <a:noFill/>
+                </a:ln>
+                <a:solidFill>
+                  <a:srgbClr val="333333"/>
+                </a:solidFill>
+                <a:effectLst/>
+                <a:latin typeface="Courier New" pitchFamily="49" charset="0"/>
+                <a:cs typeface="Courier New" pitchFamily="49" charset="0"/>
+              </a:rPr>
+              <a:t> :</a:t>
+            </a:r>
+          </a:p>
+          <a:p>
+            <a:pPr marL="0" marR="0" lvl="0" indent="0" algn="l" defTabSz="914400" rtl="0" eaLnBrk="0" fontAlgn="base" latinLnBrk="0" hangingPunct="0">
+              <a:lnSpc>
+                <a:spcPct val="100000"/>
+              </a:lnSpc>
+              <a:spcBef>
+                <a:spcPct val="0"/>
+              </a:spcBef>
+              <a:spcAft>
+                <a:spcPct val="0"/>
+              </a:spcAft>
+              <a:buClrTx/>
+              <a:buSzTx/>
+              <a:buFontTx/>
+              <a:buNone/>
+              <a:tabLst/>
+            </a:pPr>
+            <a:r>
+              <a:rPr kumimoji="0" lang="en-US" sz="1200" b="0" i="0" u="none" strike="noStrike" cap="none" normalizeH="0" baseline="0" dirty="0" err="1" smtClean="0">
+                <a:ln>
+                  <a:noFill/>
+                </a:ln>
+                <a:solidFill>
+                  <a:srgbClr val="333333"/>
+                </a:solidFill>
+                <a:effectLst/>
+                <a:latin typeface="Courier New" pitchFamily="49" charset="0"/>
+                <a:cs typeface="Courier New" pitchFamily="49" charset="0"/>
+              </a:rPr>
+              <a:t>ng</a:t>
+            </a:r>
+            <a:r>
+              <a:rPr kumimoji="0" lang="en-US" sz="1200" b="0" i="0" u="none" strike="noStrike" cap="none" normalizeH="0" baseline="0" dirty="0" smtClean="0">
+                <a:ln>
+                  <a:noFill/>
+                </a:ln>
+                <a:solidFill>
+                  <a:srgbClr val="333333"/>
+                </a:solidFill>
+                <a:effectLst/>
+                <a:latin typeface="Courier New" pitchFamily="49" charset="0"/>
+                <a:cs typeface="Courier New" pitchFamily="49" charset="0"/>
+              </a:rPr>
+              <a:t> g </a:t>
+            </a:r>
+            <a:r>
+              <a:rPr kumimoji="0" lang="en-US" sz="1200" b="0" i="0" u="none" strike="noStrike" cap="none" normalizeH="0" baseline="0" dirty="0" err="1" smtClean="0">
+                <a:ln>
+                  <a:noFill/>
+                </a:ln>
+                <a:solidFill>
+                  <a:srgbClr val="333333"/>
+                </a:solidFill>
+                <a:effectLst/>
+                <a:latin typeface="Courier New" pitchFamily="49" charset="0"/>
+                <a:cs typeface="Courier New" pitchFamily="49" charset="0"/>
+              </a:rPr>
+              <a:t>i</a:t>
+            </a:r>
+            <a:r>
+              <a:rPr kumimoji="0" lang="en-US" sz="1200" b="0" i="0" u="none" strike="noStrike" cap="none" normalizeH="0" baseline="0" dirty="0" smtClean="0">
+                <a:ln>
+                  <a:noFill/>
+                </a:ln>
+                <a:solidFill>
+                  <a:srgbClr val="333333"/>
+                </a:solidFill>
+                <a:effectLst/>
+                <a:latin typeface="Courier New" pitchFamily="49" charset="0"/>
+                <a:cs typeface="Courier New" pitchFamily="49" charset="0"/>
+              </a:rPr>
+              <a:t> services/post </a:t>
+            </a:r>
+          </a:p>
+          <a:p>
+            <a:pPr marL="0" marR="0" lvl="0" indent="0" algn="l" defTabSz="914400" rtl="0" eaLnBrk="0" fontAlgn="base" latinLnBrk="0" hangingPunct="0">
+              <a:lnSpc>
+                <a:spcPct val="100000"/>
+              </a:lnSpc>
+              <a:spcBef>
+                <a:spcPct val="0"/>
+              </a:spcBef>
+              <a:spcAft>
+                <a:spcPct val="0"/>
+              </a:spcAft>
+              <a:buClrTx/>
+              <a:buSzTx/>
+              <a:buFontTx/>
+              <a:buNone/>
+              <a:tabLst/>
+            </a:pPr>
+            <a:endParaRPr kumimoji="0" lang="en-US" sz="1200" b="0" i="0" u="none" strike="noStrike" cap="none" normalizeH="0" baseline="0" dirty="0" smtClean="0">
+              <a:ln>
+                <a:noFill/>
+              </a:ln>
+              <a:solidFill>
+                <a:srgbClr val="333333"/>
+              </a:solidFill>
+              <a:effectLst/>
+              <a:latin typeface="Courier New" pitchFamily="49" charset="0"/>
+              <a:cs typeface="Courier New" pitchFamily="49" charset="0"/>
+            </a:endParaRPr>
+          </a:p>
+          <a:p>
+            <a:pPr marL="0" marR="0" lvl="0" indent="0" algn="l" defTabSz="914400" rtl="0" eaLnBrk="0" fontAlgn="base" latinLnBrk="0" hangingPunct="0">
+              <a:lnSpc>
+                <a:spcPct val="100000"/>
+              </a:lnSpc>
+              <a:spcBef>
+                <a:spcPct val="0"/>
+              </a:spcBef>
+              <a:spcAft>
+                <a:spcPct val="0"/>
+              </a:spcAft>
+              <a:buClrTx/>
+              <a:buSzTx/>
+              <a:buFontTx/>
+              <a:buNone/>
+              <a:tabLst/>
+            </a:pPr>
+            <a:endParaRPr kumimoji="0" lang="en-US" sz="1400" b="0" i="0" u="none" strike="noStrike" cap="none" normalizeH="0" baseline="0" dirty="0" smtClean="0">
+              <a:ln>
+                <a:noFill/>
+              </a:ln>
+              <a:solidFill>
+                <a:srgbClr val="333333"/>
+              </a:solidFill>
+              <a:effectLst/>
+              <a:latin typeface="Courier New" pitchFamily="49" charset="0"/>
+              <a:cs typeface="Courier New" pitchFamily="49" charset="0"/>
+            </a:endParaRPr>
+          </a:p>
+          <a:p>
+            <a:pPr marL="0" marR="0" lvl="0" indent="0" algn="l" defTabSz="914400" rtl="0" eaLnBrk="0" fontAlgn="base" latinLnBrk="0" hangingPunct="0">
+              <a:lnSpc>
+                <a:spcPct val="100000"/>
+              </a:lnSpc>
+              <a:spcBef>
+                <a:spcPct val="0"/>
+              </a:spcBef>
+              <a:spcAft>
+                <a:spcPct val="0"/>
+              </a:spcAft>
+              <a:buClrTx/>
+              <a:buSzTx/>
+              <a:buFontTx/>
+              <a:buNone/>
+              <a:tabLst/>
+            </a:pPr>
+            <a:r>
+              <a:rPr kumimoji="0" lang="en-US" sz="1200" b="0" i="0" u="none" strike="noStrike" cap="none" normalizeH="0" baseline="0" dirty="0" smtClean="0">
+                <a:ln>
+                  <a:noFill/>
+                </a:ln>
+                <a:solidFill>
+                  <a:srgbClr val="859900"/>
+                </a:solidFill>
+                <a:effectLst/>
+                <a:latin typeface="Courier New" pitchFamily="49" charset="0"/>
+                <a:cs typeface="Courier New" pitchFamily="49" charset="0"/>
+              </a:rPr>
+              <a:t> import</a:t>
+            </a:r>
+            <a:r>
+              <a:rPr kumimoji="0" lang="en-US" sz="1200" b="0" i="0" u="none" strike="noStrike" cap="none" normalizeH="0" baseline="0" dirty="0" smtClean="0">
+                <a:ln>
+                  <a:noFill/>
+                </a:ln>
+                <a:solidFill>
+                  <a:srgbClr val="333333"/>
+                </a:solidFill>
+                <a:effectLst/>
+                <a:latin typeface="Courier New" pitchFamily="49" charset="0"/>
+                <a:cs typeface="Courier New" pitchFamily="49" charset="0"/>
+              </a:rPr>
+              <a:t> { </a:t>
+            </a:r>
+            <a:r>
+              <a:rPr kumimoji="0" lang="en-US" sz="1200" b="0" i="0" u="none" strike="noStrike" cap="none" normalizeH="0" baseline="0" dirty="0" err="1" smtClean="0">
+                <a:ln>
+                  <a:noFill/>
+                </a:ln>
+                <a:solidFill>
+                  <a:srgbClr val="333333"/>
+                </a:solidFill>
+                <a:effectLst/>
+                <a:latin typeface="Courier New" pitchFamily="49" charset="0"/>
+                <a:cs typeface="Courier New" pitchFamily="49" charset="0"/>
+              </a:rPr>
+              <a:t>Injectable</a:t>
+            </a:r>
+            <a:r>
+              <a:rPr kumimoji="0" lang="en-US" sz="1200" b="0" i="0" u="none" strike="noStrike" cap="none" normalizeH="0" baseline="0" dirty="0" smtClean="0">
+                <a:ln>
+                  <a:noFill/>
+                </a:ln>
+                <a:solidFill>
+                  <a:srgbClr val="333333"/>
+                </a:solidFill>
+                <a:effectLst/>
+                <a:latin typeface="Courier New" pitchFamily="49" charset="0"/>
+                <a:cs typeface="Courier New" pitchFamily="49" charset="0"/>
+              </a:rPr>
+              <a:t> } </a:t>
+            </a:r>
+            <a:r>
+              <a:rPr kumimoji="0" lang="en-US" sz="1200" b="0" i="0" u="none" strike="noStrike" cap="none" normalizeH="0" baseline="0" dirty="0" smtClean="0">
+                <a:ln>
+                  <a:noFill/>
+                </a:ln>
+                <a:solidFill>
+                  <a:srgbClr val="859900"/>
+                </a:solidFill>
+                <a:effectLst/>
+                <a:latin typeface="Courier New" pitchFamily="49" charset="0"/>
+                <a:cs typeface="Courier New" pitchFamily="49" charset="0"/>
+              </a:rPr>
+              <a:t>from</a:t>
+            </a:r>
+            <a:r>
+              <a:rPr kumimoji="0" lang="en-US" sz="1200" b="0" i="0" u="none" strike="noStrike" cap="none" normalizeH="0" baseline="0" dirty="0" smtClean="0">
+                <a:ln>
+                  <a:noFill/>
+                </a:ln>
+                <a:solidFill>
+                  <a:srgbClr val="333333"/>
+                </a:solidFill>
+                <a:effectLst/>
+                <a:latin typeface="Courier New" pitchFamily="49" charset="0"/>
+                <a:cs typeface="Courier New" pitchFamily="49" charset="0"/>
+              </a:rPr>
+              <a:t> </a:t>
+            </a:r>
+            <a:r>
+              <a:rPr kumimoji="0" lang="en-US" sz="1200" b="0" i="0" u="none" strike="noStrike" cap="none" normalizeH="0" baseline="0" dirty="0" smtClean="0">
+                <a:ln>
+                  <a:noFill/>
+                </a:ln>
+                <a:solidFill>
+                  <a:srgbClr val="2AA198"/>
+                </a:solidFill>
+                <a:effectLst/>
+                <a:latin typeface="Courier New" pitchFamily="49" charset="0"/>
+                <a:cs typeface="Courier New" pitchFamily="49" charset="0"/>
+              </a:rPr>
+              <a:t>'@angular/core'</a:t>
+            </a:r>
+            <a:r>
+              <a:rPr kumimoji="0" lang="en-US" sz="1200" b="0" i="0" u="none" strike="noStrike" cap="none" normalizeH="0" baseline="0" dirty="0" smtClean="0">
+                <a:ln>
+                  <a:noFill/>
+                </a:ln>
+                <a:solidFill>
+                  <a:srgbClr val="333333"/>
+                </a:solidFill>
+                <a:effectLst/>
+                <a:latin typeface="Courier New" pitchFamily="49" charset="0"/>
+                <a:cs typeface="Courier New" pitchFamily="49" charset="0"/>
+              </a:rPr>
+              <a:t>;</a:t>
+            </a:r>
+          </a:p>
+          <a:p>
+            <a:pPr marL="0" marR="0" lvl="0" indent="0" algn="l" defTabSz="914400" rtl="0" eaLnBrk="0" fontAlgn="base" latinLnBrk="0" hangingPunct="0">
+              <a:lnSpc>
+                <a:spcPct val="100000"/>
+              </a:lnSpc>
+              <a:spcBef>
+                <a:spcPct val="0"/>
+              </a:spcBef>
+              <a:spcAft>
+                <a:spcPct val="0"/>
+              </a:spcAft>
+              <a:buClrTx/>
+              <a:buSzTx/>
+              <a:buFontTx/>
+              <a:buNone/>
+              <a:tabLst/>
+            </a:pPr>
+            <a:r>
+              <a:rPr kumimoji="0" lang="en-US" sz="1200" b="0" i="0" u="none" strike="noStrike" cap="none" normalizeH="0" baseline="0" dirty="0" smtClean="0">
+                <a:ln>
+                  <a:noFill/>
+                </a:ln>
+                <a:solidFill>
+                  <a:srgbClr val="333333"/>
+                </a:solidFill>
+                <a:effectLst/>
+                <a:latin typeface="Courier New" pitchFamily="49" charset="0"/>
+                <a:cs typeface="Courier New" pitchFamily="49" charset="0"/>
+              </a:rPr>
+              <a:t> </a:t>
+            </a:r>
+            <a:r>
+              <a:rPr kumimoji="0" lang="en-US" sz="1200" b="0" i="0" u="none" strike="noStrike" cap="none" normalizeH="0" baseline="0" dirty="0" smtClean="0">
+                <a:ln>
+                  <a:noFill/>
+                </a:ln>
+                <a:solidFill>
+                  <a:srgbClr val="859900"/>
+                </a:solidFill>
+                <a:effectLst/>
+                <a:latin typeface="Courier New" pitchFamily="49" charset="0"/>
+                <a:cs typeface="Courier New" pitchFamily="49" charset="0"/>
+              </a:rPr>
+              <a:t>import</a:t>
+            </a:r>
+            <a:r>
+              <a:rPr kumimoji="0" lang="en-US" sz="1200" b="0" i="0" u="none" strike="noStrike" cap="none" normalizeH="0" baseline="0" dirty="0" smtClean="0">
+                <a:ln>
+                  <a:noFill/>
+                </a:ln>
+                <a:solidFill>
+                  <a:srgbClr val="333333"/>
+                </a:solidFill>
+                <a:effectLst/>
+                <a:latin typeface="Courier New" pitchFamily="49" charset="0"/>
+                <a:cs typeface="Courier New" pitchFamily="49" charset="0"/>
+              </a:rPr>
+              <a:t> { </a:t>
+            </a:r>
+            <a:r>
+              <a:rPr kumimoji="0" lang="en-US" sz="1200" b="0" i="0" u="none" strike="noStrike" cap="none" normalizeH="0" baseline="0" dirty="0" err="1" smtClean="0">
+                <a:ln>
+                  <a:noFill/>
+                </a:ln>
+                <a:solidFill>
+                  <a:srgbClr val="333333"/>
+                </a:solidFill>
+                <a:effectLst/>
+                <a:latin typeface="Courier New" pitchFamily="49" charset="0"/>
+                <a:cs typeface="Courier New" pitchFamily="49" charset="0"/>
+              </a:rPr>
+              <a:t>HttpClient</a:t>
+            </a:r>
+            <a:r>
+              <a:rPr kumimoji="0" lang="en-US" sz="1200" b="0" i="0" u="none" strike="noStrike" cap="none" normalizeH="0" baseline="0" dirty="0" smtClean="0">
+                <a:ln>
+                  <a:noFill/>
+                </a:ln>
+                <a:solidFill>
+                  <a:srgbClr val="333333"/>
+                </a:solidFill>
+                <a:effectLst/>
+                <a:latin typeface="Courier New" pitchFamily="49" charset="0"/>
+                <a:cs typeface="Courier New" pitchFamily="49" charset="0"/>
+              </a:rPr>
+              <a:t> } </a:t>
+            </a:r>
+            <a:r>
+              <a:rPr kumimoji="0" lang="en-US" sz="1200" b="0" i="0" u="none" strike="noStrike" cap="none" normalizeH="0" baseline="0" dirty="0" smtClean="0">
+                <a:ln>
+                  <a:noFill/>
+                </a:ln>
+                <a:solidFill>
+                  <a:srgbClr val="859900"/>
+                </a:solidFill>
+                <a:effectLst/>
+                <a:latin typeface="Courier New" pitchFamily="49" charset="0"/>
+                <a:cs typeface="Courier New" pitchFamily="49" charset="0"/>
+              </a:rPr>
+              <a:t>from</a:t>
+            </a:r>
+            <a:r>
+              <a:rPr kumimoji="0" lang="en-US" sz="1200" b="0" i="0" u="none" strike="noStrike" cap="none" normalizeH="0" baseline="0" dirty="0" smtClean="0">
+                <a:ln>
+                  <a:noFill/>
+                </a:ln>
+                <a:solidFill>
+                  <a:srgbClr val="333333"/>
+                </a:solidFill>
+                <a:effectLst/>
+                <a:latin typeface="Courier New" pitchFamily="49" charset="0"/>
+                <a:cs typeface="Courier New" pitchFamily="49" charset="0"/>
+              </a:rPr>
+              <a:t> </a:t>
+            </a:r>
+            <a:r>
+              <a:rPr kumimoji="0" lang="en-US" sz="1200" b="0" i="0" u="none" strike="noStrike" cap="none" normalizeH="0" baseline="0" dirty="0" smtClean="0">
+                <a:ln>
+                  <a:noFill/>
+                </a:ln>
+                <a:solidFill>
+                  <a:srgbClr val="2AA198"/>
+                </a:solidFill>
+                <a:effectLst/>
+                <a:latin typeface="Courier New" pitchFamily="49" charset="0"/>
+                <a:cs typeface="Courier New" pitchFamily="49" charset="0"/>
+              </a:rPr>
+              <a:t>'@angular/common/http'</a:t>
+            </a:r>
+            <a:r>
+              <a:rPr kumimoji="0" lang="en-US" sz="1200" b="0" i="0" u="none" strike="noStrike" cap="none" normalizeH="0" baseline="0" dirty="0" smtClean="0">
+                <a:ln>
+                  <a:noFill/>
+                </a:ln>
+                <a:solidFill>
+                  <a:srgbClr val="333333"/>
+                </a:solidFill>
+                <a:effectLst/>
+                <a:latin typeface="Courier New" pitchFamily="49" charset="0"/>
+                <a:cs typeface="Courier New" pitchFamily="49" charset="0"/>
+              </a:rPr>
+              <a:t>;</a:t>
+            </a:r>
+          </a:p>
+          <a:p>
+            <a:pPr marL="0" marR="0" lvl="0" indent="0" algn="l" defTabSz="914400" rtl="0" eaLnBrk="0" fontAlgn="base" latinLnBrk="0" hangingPunct="0">
+              <a:lnSpc>
+                <a:spcPct val="100000"/>
+              </a:lnSpc>
+              <a:spcBef>
+                <a:spcPct val="0"/>
+              </a:spcBef>
+              <a:spcAft>
+                <a:spcPct val="0"/>
+              </a:spcAft>
+              <a:buClrTx/>
+              <a:buSzTx/>
+              <a:buFontTx/>
+              <a:buNone/>
+              <a:tabLst/>
+            </a:pPr>
+            <a:r>
+              <a:rPr kumimoji="0" lang="en-US" sz="1200" b="0" i="0" u="none" strike="noStrike" cap="none" normalizeH="0" baseline="0" dirty="0" smtClean="0">
+                <a:ln>
+                  <a:noFill/>
+                </a:ln>
+                <a:solidFill>
+                  <a:srgbClr val="333333"/>
+                </a:solidFill>
+                <a:effectLst/>
+                <a:latin typeface="Courier New" pitchFamily="49" charset="0"/>
+                <a:cs typeface="Courier New" pitchFamily="49" charset="0"/>
+              </a:rPr>
+              <a:t> @</a:t>
+            </a:r>
+            <a:r>
+              <a:rPr kumimoji="0" lang="en-US" sz="1200" b="0" i="0" u="none" strike="noStrike" cap="none" normalizeH="0" baseline="0" dirty="0" err="1" smtClean="0">
+                <a:ln>
+                  <a:noFill/>
+                </a:ln>
+                <a:solidFill>
+                  <a:srgbClr val="333333"/>
+                </a:solidFill>
+                <a:effectLst/>
+                <a:latin typeface="Courier New" pitchFamily="49" charset="0"/>
+                <a:cs typeface="Courier New" pitchFamily="49" charset="0"/>
+              </a:rPr>
+              <a:t>Injectable</a:t>
+            </a:r>
+            <a:r>
+              <a:rPr kumimoji="0" lang="en-US" sz="1200" b="0" i="0" u="none" strike="noStrike" cap="none" normalizeH="0" baseline="0" dirty="0" smtClean="0">
+                <a:ln>
+                  <a:noFill/>
+                </a:ln>
+                <a:solidFill>
+                  <a:srgbClr val="333333"/>
+                </a:solidFill>
+                <a:effectLst/>
+                <a:latin typeface="Courier New" pitchFamily="49" charset="0"/>
+                <a:cs typeface="Courier New" pitchFamily="49" charset="0"/>
+              </a:rPr>
+              <a:t>({ </a:t>
+            </a:r>
+            <a:r>
+              <a:rPr kumimoji="0" lang="en-US" sz="1200" b="0" i="0" u="none" strike="noStrike" cap="none" normalizeH="0" baseline="0" dirty="0" err="1" smtClean="0">
+                <a:ln>
+                  <a:noFill/>
+                </a:ln>
+                <a:solidFill>
+                  <a:srgbClr val="333333"/>
+                </a:solidFill>
+                <a:effectLst/>
+                <a:latin typeface="Courier New" pitchFamily="49" charset="0"/>
+                <a:cs typeface="Courier New" pitchFamily="49" charset="0"/>
+              </a:rPr>
+              <a:t>providedIn</a:t>
+            </a:r>
+            <a:r>
+              <a:rPr kumimoji="0" lang="en-US" sz="1200" b="0" i="0" u="none" strike="noStrike" cap="none" normalizeH="0" baseline="0" dirty="0" smtClean="0">
+                <a:ln>
+                  <a:noFill/>
+                </a:ln>
+                <a:solidFill>
+                  <a:srgbClr val="333333"/>
+                </a:solidFill>
+                <a:effectLst/>
+                <a:latin typeface="Courier New" pitchFamily="49" charset="0"/>
+                <a:cs typeface="Courier New" pitchFamily="49" charset="0"/>
+              </a:rPr>
+              <a:t>: </a:t>
+            </a:r>
+            <a:r>
+              <a:rPr kumimoji="0" lang="en-US" sz="1200" b="0" i="0" u="none" strike="noStrike" cap="none" normalizeH="0" baseline="0" dirty="0" smtClean="0">
+                <a:ln>
+                  <a:noFill/>
+                </a:ln>
+                <a:solidFill>
+                  <a:srgbClr val="2AA198"/>
+                </a:solidFill>
+                <a:effectLst/>
+                <a:latin typeface="Courier New" pitchFamily="49" charset="0"/>
+                <a:cs typeface="Courier New" pitchFamily="49" charset="0"/>
+              </a:rPr>
+              <a:t>'root'</a:t>
+            </a:r>
+            <a:r>
+              <a:rPr kumimoji="0" lang="en-US" sz="1200" b="0" i="0" u="none" strike="noStrike" cap="none" normalizeH="0" baseline="0" dirty="0" smtClean="0">
+                <a:ln>
+                  <a:noFill/>
+                </a:ln>
+                <a:solidFill>
+                  <a:srgbClr val="333333"/>
+                </a:solidFill>
+                <a:effectLst/>
+                <a:latin typeface="Courier New" pitchFamily="49" charset="0"/>
+                <a:cs typeface="Courier New" pitchFamily="49" charset="0"/>
+              </a:rPr>
+              <a:t> }) </a:t>
+            </a:r>
+          </a:p>
+          <a:p>
+            <a:pPr marL="0" marR="0" lvl="0" indent="0" algn="l" defTabSz="914400" rtl="0" eaLnBrk="0" fontAlgn="base" latinLnBrk="0" hangingPunct="0">
+              <a:lnSpc>
+                <a:spcPct val="100000"/>
+              </a:lnSpc>
+              <a:spcBef>
+                <a:spcPct val="0"/>
+              </a:spcBef>
+              <a:spcAft>
+                <a:spcPct val="0"/>
+              </a:spcAft>
+              <a:buClrTx/>
+              <a:buSzTx/>
+              <a:buFontTx/>
+              <a:buNone/>
+              <a:tabLst/>
+            </a:pPr>
+            <a:r>
+              <a:rPr kumimoji="0" lang="en-US" sz="1200" b="0" i="0" u="none" strike="noStrike" cap="none" normalizeH="0" baseline="0" dirty="0" smtClean="0">
+                <a:ln>
+                  <a:noFill/>
+                </a:ln>
+                <a:solidFill>
+                  <a:srgbClr val="859900"/>
+                </a:solidFill>
+                <a:effectLst/>
+                <a:latin typeface="Courier New" pitchFamily="49" charset="0"/>
+                <a:cs typeface="Courier New" pitchFamily="49" charset="0"/>
+              </a:rPr>
+              <a:t>export</a:t>
+            </a:r>
+            <a:r>
+              <a:rPr kumimoji="0" lang="en-US" sz="1200" b="0" i="0" u="none" strike="noStrike" cap="none" normalizeH="0" baseline="0" dirty="0" smtClean="0">
+                <a:ln>
+                  <a:noFill/>
+                </a:ln>
+                <a:solidFill>
+                  <a:srgbClr val="333333"/>
+                </a:solidFill>
+                <a:effectLst/>
+                <a:latin typeface="Courier New" pitchFamily="49" charset="0"/>
+                <a:cs typeface="Courier New" pitchFamily="49" charset="0"/>
+              </a:rPr>
+              <a:t> </a:t>
+            </a:r>
+            <a:r>
+              <a:rPr kumimoji="0" lang="en-US" sz="1200" b="0" i="0" u="none" strike="noStrike" cap="none" normalizeH="0" baseline="0" dirty="0" smtClean="0">
+                <a:ln>
+                  <a:noFill/>
+                </a:ln>
+                <a:solidFill>
+                  <a:srgbClr val="859900"/>
+                </a:solidFill>
+                <a:effectLst/>
+                <a:latin typeface="Courier New" pitchFamily="49" charset="0"/>
+                <a:cs typeface="Courier New" pitchFamily="49" charset="0"/>
+              </a:rPr>
+              <a:t>class</a:t>
+            </a:r>
+            <a:r>
+              <a:rPr kumimoji="0" lang="en-US" sz="1200" b="0" i="0" u="none" strike="noStrike" cap="none" normalizeH="0" baseline="0" dirty="0" smtClean="0">
+                <a:ln>
+                  <a:noFill/>
+                </a:ln>
+                <a:solidFill>
+                  <a:srgbClr val="333333"/>
+                </a:solidFill>
+                <a:effectLst/>
+                <a:latin typeface="Courier New" pitchFamily="49" charset="0"/>
+                <a:cs typeface="Courier New" pitchFamily="49" charset="0"/>
+              </a:rPr>
+              <a:t> </a:t>
+            </a:r>
+            <a:r>
+              <a:rPr kumimoji="0" lang="en-US" sz="1200" b="0" i="0" u="none" strike="noStrike" cap="none" normalizeH="0" baseline="0" dirty="0" err="1" smtClean="0">
+                <a:ln>
+                  <a:noFill/>
+                </a:ln>
+                <a:solidFill>
+                  <a:srgbClr val="B58900"/>
+                </a:solidFill>
+                <a:effectLst/>
+                <a:latin typeface="Courier New" pitchFamily="49" charset="0"/>
+                <a:cs typeface="Courier New" pitchFamily="49" charset="0"/>
+              </a:rPr>
+              <a:t>PostService</a:t>
+            </a:r>
+            <a:r>
+              <a:rPr kumimoji="0" lang="en-US" sz="1200" b="0" i="0" u="none" strike="noStrike" cap="none" normalizeH="0" baseline="0" dirty="0" smtClean="0">
+                <a:ln>
+                  <a:noFill/>
+                </a:ln>
+                <a:solidFill>
+                  <a:srgbClr val="333333"/>
+                </a:solidFill>
+                <a:effectLst/>
+                <a:latin typeface="Courier New" pitchFamily="49" charset="0"/>
+                <a:cs typeface="Courier New" pitchFamily="49" charset="0"/>
+              </a:rPr>
+              <a:t> {</a:t>
+            </a:r>
+          </a:p>
+          <a:p>
+            <a:pPr marL="0" marR="0" lvl="0" indent="0" algn="l" defTabSz="914400" rtl="0" eaLnBrk="0" fontAlgn="base" latinLnBrk="0" hangingPunct="0">
+              <a:lnSpc>
+                <a:spcPct val="100000"/>
+              </a:lnSpc>
+              <a:spcBef>
+                <a:spcPct val="0"/>
+              </a:spcBef>
+              <a:spcAft>
+                <a:spcPct val="0"/>
+              </a:spcAft>
+              <a:buClrTx/>
+              <a:buSzTx/>
+              <a:buFontTx/>
+              <a:buNone/>
+              <a:tabLst/>
+            </a:pPr>
+            <a:r>
+              <a:rPr kumimoji="0" lang="en-US" sz="1200" b="0" i="0" u="none" strike="noStrike" cap="none" normalizeH="0" baseline="0" dirty="0" smtClean="0">
+                <a:ln>
+                  <a:noFill/>
+                </a:ln>
+                <a:solidFill>
+                  <a:srgbClr val="333333"/>
+                </a:solidFill>
+                <a:effectLst/>
+                <a:latin typeface="Courier New" pitchFamily="49" charset="0"/>
+                <a:cs typeface="Courier New" pitchFamily="49" charset="0"/>
+              </a:rPr>
+              <a:t> constructor(private </a:t>
+            </a:r>
+            <a:r>
+              <a:rPr kumimoji="0" lang="en-US" sz="1200" b="0" i="0" u="none" strike="noStrike" cap="none" normalizeH="0" baseline="0" dirty="0" err="1" smtClean="0">
+                <a:ln>
+                  <a:noFill/>
+                </a:ln>
+                <a:solidFill>
+                  <a:srgbClr val="333333"/>
+                </a:solidFill>
+                <a:effectLst/>
+                <a:latin typeface="Courier New" pitchFamily="49" charset="0"/>
+                <a:cs typeface="Courier New" pitchFamily="49" charset="0"/>
+              </a:rPr>
+              <a:t>httpclint:HttpClient</a:t>
+            </a:r>
+            <a:r>
+              <a:rPr kumimoji="0" lang="en-US" sz="1200" b="0" i="0" u="none" strike="noStrike" cap="none" normalizeH="0" baseline="0" dirty="0" smtClean="0">
+                <a:ln>
+                  <a:noFill/>
+                </a:ln>
+                <a:solidFill>
+                  <a:srgbClr val="333333"/>
+                </a:solidFill>
+                <a:effectLst/>
+                <a:latin typeface="Courier New" pitchFamily="49" charset="0"/>
+                <a:cs typeface="Courier New" pitchFamily="49" charset="0"/>
+              </a:rPr>
+              <a:t>) { }</a:t>
+            </a:r>
+          </a:p>
+          <a:p>
+            <a:pPr marL="0" marR="0" lvl="0" indent="0" algn="l" defTabSz="914400" rtl="0" eaLnBrk="0" fontAlgn="base" latinLnBrk="0" hangingPunct="0">
+              <a:lnSpc>
+                <a:spcPct val="100000"/>
+              </a:lnSpc>
+              <a:spcBef>
+                <a:spcPct val="0"/>
+              </a:spcBef>
+              <a:spcAft>
+                <a:spcPct val="0"/>
+              </a:spcAft>
+              <a:buClrTx/>
+              <a:buSzTx/>
+              <a:buFontTx/>
+              <a:buNone/>
+              <a:tabLst/>
+            </a:pPr>
+            <a:r>
+              <a:rPr kumimoji="0" lang="en-US" sz="1200" b="0" i="0" u="none" strike="noStrike" cap="none" normalizeH="0" baseline="0" dirty="0" smtClean="0">
+                <a:ln>
+                  <a:noFill/>
+                </a:ln>
+                <a:solidFill>
+                  <a:srgbClr val="333333"/>
+                </a:solidFill>
+                <a:effectLst/>
+                <a:latin typeface="Courier New" pitchFamily="49" charset="0"/>
+                <a:cs typeface="Courier New" pitchFamily="49" charset="0"/>
+              </a:rPr>
+              <a:t> </a:t>
+            </a:r>
+            <a:r>
+              <a:rPr kumimoji="0" lang="en-US" sz="1200" b="0" i="0" u="none" strike="noStrike" cap="none" normalizeH="0" baseline="0" dirty="0" err="1" smtClean="0">
+                <a:ln>
+                  <a:noFill/>
+                </a:ln>
+                <a:solidFill>
+                  <a:srgbClr val="333333"/>
+                </a:solidFill>
+                <a:effectLst/>
+                <a:latin typeface="Courier New" pitchFamily="49" charset="0"/>
+                <a:cs typeface="Courier New" pitchFamily="49" charset="0"/>
+              </a:rPr>
+              <a:t>getPosts</a:t>
+            </a:r>
+            <a:r>
+              <a:rPr kumimoji="0" lang="en-US" sz="1200" b="0" i="0" u="none" strike="noStrike" cap="none" normalizeH="0" baseline="0" dirty="0" smtClean="0">
+                <a:ln>
+                  <a:noFill/>
+                </a:ln>
+                <a:solidFill>
+                  <a:srgbClr val="333333"/>
+                </a:solidFill>
+                <a:effectLst/>
+                <a:latin typeface="Courier New" pitchFamily="49" charset="0"/>
+                <a:cs typeface="Courier New" pitchFamily="49" charset="0"/>
+              </a:rPr>
+              <a:t>(){ </a:t>
+            </a:r>
+            <a:r>
+              <a:rPr kumimoji="0" lang="en-US" sz="1200" b="0" i="0" u="none" strike="noStrike" cap="none" normalizeH="0" baseline="0" dirty="0" smtClean="0">
+                <a:ln>
+                  <a:noFill/>
+                </a:ln>
+                <a:solidFill>
+                  <a:srgbClr val="859900"/>
+                </a:solidFill>
+                <a:effectLst/>
+                <a:latin typeface="Courier New" pitchFamily="49" charset="0"/>
+                <a:cs typeface="Courier New" pitchFamily="49" charset="0"/>
+              </a:rPr>
+              <a:t>return</a:t>
+            </a:r>
+            <a:r>
+              <a:rPr kumimoji="0" lang="en-US" sz="1200" b="0" i="0" u="none" strike="noStrike" cap="none" normalizeH="0" baseline="0" dirty="0" smtClean="0">
+                <a:ln>
+                  <a:noFill/>
+                </a:ln>
+                <a:solidFill>
+                  <a:srgbClr val="333333"/>
+                </a:solidFill>
+                <a:effectLst/>
+                <a:latin typeface="Courier New" pitchFamily="49" charset="0"/>
+                <a:cs typeface="Courier New" pitchFamily="49" charset="0"/>
+              </a:rPr>
+              <a:t> </a:t>
+            </a:r>
+            <a:r>
+              <a:rPr kumimoji="0" lang="en-US" sz="1200" b="0" i="0" u="none" strike="noStrike" cap="none" normalizeH="0" baseline="0" dirty="0" err="1" smtClean="0">
+                <a:ln>
+                  <a:noFill/>
+                </a:ln>
+                <a:solidFill>
+                  <a:srgbClr val="859900"/>
+                </a:solidFill>
+                <a:effectLst/>
+                <a:latin typeface="Courier New" pitchFamily="49" charset="0"/>
+                <a:cs typeface="Courier New" pitchFamily="49" charset="0"/>
+              </a:rPr>
+              <a:t>this</a:t>
+            </a:r>
+            <a:r>
+              <a:rPr kumimoji="0" lang="en-US" sz="1200" b="0" i="0" u="none" strike="noStrike" cap="none" normalizeH="0" baseline="0" dirty="0" err="1" smtClean="0">
+                <a:ln>
+                  <a:noFill/>
+                </a:ln>
+                <a:solidFill>
+                  <a:srgbClr val="333333"/>
+                </a:solidFill>
+                <a:effectLst/>
+                <a:latin typeface="Courier New" pitchFamily="49" charset="0"/>
+                <a:cs typeface="Courier New" pitchFamily="49" charset="0"/>
+              </a:rPr>
+              <a:t>.httpclint.get</a:t>
+            </a:r>
+            <a:r>
+              <a:rPr kumimoji="0" lang="en-US" sz="1200" b="0" i="0" u="none" strike="noStrike" cap="none" normalizeH="0" baseline="0" dirty="0" smtClean="0">
+                <a:ln>
+                  <a:noFill/>
+                </a:ln>
+                <a:solidFill>
+                  <a:srgbClr val="333333"/>
+                </a:solidFill>
+                <a:effectLst/>
+                <a:latin typeface="Courier New" pitchFamily="49" charset="0"/>
+                <a:cs typeface="Courier New" pitchFamily="49" charset="0"/>
+              </a:rPr>
+              <a:t>(</a:t>
+            </a:r>
+            <a:r>
+              <a:rPr kumimoji="0" lang="en-US" sz="1200" b="0" i="0" u="none" strike="noStrike" cap="none" normalizeH="0" baseline="0" dirty="0" smtClean="0">
+                <a:ln>
+                  <a:noFill/>
+                </a:ln>
+                <a:solidFill>
+                  <a:srgbClr val="2AA198"/>
+                </a:solidFill>
+                <a:effectLst/>
+                <a:latin typeface="Courier New" pitchFamily="49" charset="0"/>
+                <a:cs typeface="Courier New" pitchFamily="49" charset="0"/>
+              </a:rPr>
+              <a:t>"http://jsonplaceholder.typicode.com/posts"</a:t>
+            </a:r>
+            <a:r>
+              <a:rPr kumimoji="0" lang="en-US" sz="1200" b="0" i="0" u="none" strike="noStrike" cap="none" normalizeH="0" baseline="0" dirty="0" smtClean="0">
+                <a:ln>
+                  <a:noFill/>
+                </a:ln>
+                <a:solidFill>
+                  <a:srgbClr val="333333"/>
+                </a:solidFill>
+                <a:effectLst/>
+                <a:latin typeface="Courier New" pitchFamily="49" charset="0"/>
+                <a:cs typeface="Courier New" pitchFamily="49" charset="0"/>
+              </a:rPr>
+              <a:t>);</a:t>
+            </a:r>
+          </a:p>
+          <a:p>
+            <a:pPr marL="0" marR="0" lvl="0" indent="0" algn="l" defTabSz="914400" rtl="0" eaLnBrk="0" fontAlgn="base" latinLnBrk="0" hangingPunct="0">
+              <a:lnSpc>
+                <a:spcPct val="100000"/>
+              </a:lnSpc>
+              <a:spcBef>
+                <a:spcPct val="0"/>
+              </a:spcBef>
+              <a:spcAft>
+                <a:spcPct val="0"/>
+              </a:spcAft>
+              <a:buClrTx/>
+              <a:buSzTx/>
+              <a:buFontTx/>
+              <a:buNone/>
+              <a:tabLst/>
+            </a:pPr>
+            <a:r>
+              <a:rPr kumimoji="0" lang="en-US" sz="1200" b="0" i="0" u="none" strike="noStrike" cap="none" normalizeH="0" baseline="0" dirty="0" smtClean="0">
+                <a:ln>
+                  <a:noFill/>
+                </a:ln>
+                <a:solidFill>
+                  <a:srgbClr val="333333"/>
+                </a:solidFill>
+                <a:effectLst/>
+                <a:latin typeface="Courier New" pitchFamily="49" charset="0"/>
+                <a:cs typeface="Courier New" pitchFamily="49" charset="0"/>
+              </a:rPr>
+              <a:t> } </a:t>
+            </a:r>
+          </a:p>
+          <a:p>
+            <a:pPr marL="0" marR="0" lvl="0" indent="0" algn="l" defTabSz="914400" rtl="0" eaLnBrk="0" fontAlgn="base" latinLnBrk="0" hangingPunct="0">
+              <a:lnSpc>
+                <a:spcPct val="100000"/>
+              </a:lnSpc>
+              <a:spcBef>
+                <a:spcPct val="0"/>
+              </a:spcBef>
+              <a:spcAft>
+                <a:spcPct val="0"/>
+              </a:spcAft>
+              <a:buClrTx/>
+              <a:buSzTx/>
+              <a:buFontTx/>
+              <a:buNone/>
+              <a:tabLst/>
+            </a:pPr>
+            <a:r>
+              <a:rPr kumimoji="0" lang="en-US" sz="1200" b="0" i="0" u="none" strike="noStrike" cap="none" normalizeH="0" baseline="0" dirty="0" smtClean="0">
+                <a:ln>
+                  <a:noFill/>
+                </a:ln>
+                <a:solidFill>
+                  <a:srgbClr val="333333"/>
+                </a:solidFill>
+                <a:effectLst/>
+                <a:latin typeface="Courier New" pitchFamily="49" charset="0"/>
+                <a:cs typeface="Courier New" pitchFamily="49" charset="0"/>
+              </a:rPr>
+              <a:t>}</a:t>
+            </a:r>
+            <a:endParaRPr kumimoji="0" lang="en-US" sz="2800" b="0" i="0" u="none" strike="noStrike" cap="none" normalizeH="0" baseline="0" dirty="0" smtClean="0">
+              <a:ln>
+                <a:noFill/>
+              </a:ln>
+              <a:solidFill>
+                <a:schemeClr val="tx1"/>
+              </a:solidFill>
+              <a:effectLst/>
+              <a:latin typeface="Arial" pitchFamily="34" charset="0"/>
+              <a:cs typeface="Arial" pitchFamily="34" charset="0"/>
+            </a:endParaRPr>
+          </a:p>
+        </p:txBody>
+      </p:sp>
+    </p:spTree>
+  </p:cSld>
+  <p:clrMapOvr>
+    <a:masterClrMapping/>
+  </p:clrMapOvr>
+</p:sld>
+</file>
+
+<file path=ppt/slides/slide4.xml><?xml version="1.0" encoding="utf-8"?>
+<p:sld xmlns:a="http://schemas.openxmlformats.org/drawingml/2006/main" xmlns:r="http://schemas.openxmlformats.org/officeDocument/2006/relationships" xmlns:p="http://schemas.openxmlformats.org/presentationml/2006/main">
+  <p:cSld>
+    <p:spTree>
+      <p:nvGrpSpPr>
+        <p:cNvPr id="1" name=""/>
+        <p:cNvGrpSpPr/>
+        <p:nvPr/>
+      </p:nvGrpSpPr>
+      <p:grpSpPr>
+        <a:xfrm>
+          <a:off x="0" y="0"/>
+          <a:ext cx="0" cy="0"/>
+          <a:chOff x="0" y="0"/>
+          <a:chExt cx="0" cy="0"/>
+        </a:xfrm>
+      </p:grpSpPr>
+      <p:sp>
+        <p:nvSpPr>
+          <p:cNvPr id="2" name="Title 1"/>
+          <p:cNvSpPr>
+            <a:spLocks noGrp="1"/>
+          </p:cNvSpPr>
+          <p:nvPr>
+            <p:ph type="title"/>
+          </p:nvPr>
+        </p:nvSpPr>
         <p:spPr>
           <a:xfrm>
             <a:off x="457200" y="0"/>
@@ -6300,17 +6372,7 @@
                 <a:latin typeface="Courier New" pitchFamily="49" charset="0"/>
                 <a:cs typeface="Courier New" pitchFamily="49" charset="0"/>
               </a:rPr>
-              <a:t> </a:t>
-            </a:r>
-            <a:r>
-              <a:rPr lang="en-US" sz="1100" dirty="0" smtClean="0">
-                <a:solidFill>
-                  <a:srgbClr val="333333"/>
-                </a:solidFill>
-                <a:latin typeface="Courier New" pitchFamily="49" charset="0"/>
-                <a:cs typeface="Courier New" pitchFamily="49" charset="0"/>
-              </a:rPr>
-              <a:t>   </a:t>
+              <a:t>    </a:t>
             </a:r>
             <a:r>
               <a:rPr kumimoji="0" lang="en-US" sz="1100" b="0" i="0" u="none" strike="noStrike" cap="none" normalizeH="0" baseline="0" dirty="0" smtClean="0">
